--- a/PDToolDocs/docs/00 PDTool Training - Template v2.1.pptx
+++ b/PDToolDocs/docs/00 PDTool Training - Template v2.1.pptx
@@ -945,18 +945,13 @@
         <a:lstStyle/>
         <a:p>
           <a:r>
-            <a:rPr lang="en-US" dirty="0" smtClean="0">
+            <a:rPr lang="en-US" dirty="0">
               <a:solidFill>
                 <a:schemeClr val="tx1"/>
               </a:solidFill>
             </a:rPr>
             <a:t>Topic 1</a:t>
           </a:r>
-          <a:endParaRPr lang="en-US" dirty="0">
-            <a:solidFill>
-              <a:schemeClr val="tx1"/>
-            </a:solidFill>
-          </a:endParaRPr>
         </a:p>
       </dgm:t>
     </dgm:pt>
@@ -1091,18 +1086,13 @@
         <a:lstStyle/>
         <a:p>
           <a:r>
-            <a:rPr lang="en-US" dirty="0" smtClean="0">
+            <a:rPr lang="en-US" dirty="0">
               <a:solidFill>
                 <a:srgbClr val="000000"/>
               </a:solidFill>
             </a:rPr>
             <a:t>Topic 2</a:t>
           </a:r>
-          <a:endParaRPr lang="en-US" dirty="0">
-            <a:solidFill>
-              <a:srgbClr val="000000"/>
-            </a:solidFill>
-          </a:endParaRPr>
         </a:p>
       </dgm:t>
     </dgm:pt>
@@ -1145,18 +1135,13 @@
         <a:lstStyle/>
         <a:p>
           <a:r>
-            <a:rPr lang="en-US" dirty="0" smtClean="0">
+            <a:rPr lang="en-US" dirty="0">
               <a:solidFill>
                 <a:srgbClr val="000000"/>
               </a:solidFill>
             </a:rPr>
             <a:t>Topic 3</a:t>
           </a:r>
-          <a:endParaRPr lang="en-US" dirty="0">
-            <a:solidFill>
-              <a:srgbClr val="000000"/>
-            </a:solidFill>
-          </a:endParaRPr>
         </a:p>
       </dgm:t>
     </dgm:pt>
@@ -1283,13 +1268,6 @@
         </dgm:presLayoutVars>
       </dgm:prSet>
       <dgm:spPr/>
-      <dgm:t>
-        <a:bodyPr/>
-        <a:lstStyle/>
-        <a:p>
-          <a:endParaRPr lang="en-US"/>
-        </a:p>
-      </dgm:t>
     </dgm:pt>
     <dgm:pt modelId="{7AAFA9DE-92A0-5D49-8DD0-F9E1AA0FBBFA}" type="pres">
       <dgm:prSet presAssocID="{E5C05183-796F-3443-B148-2CADE8C9E234}" presName="Name1" presStyleCnt="0"/>
@@ -1306,13 +1284,6 @@
     <dgm:pt modelId="{15DB3670-5075-F24F-8C04-41BB60CFA772}" type="pres">
       <dgm:prSet presAssocID="{E5C05183-796F-3443-B148-2CADE8C9E234}" presName="conn" presStyleLbl="parChTrans1D2" presStyleIdx="0" presStyleCnt="1"/>
       <dgm:spPr/>
-      <dgm:t>
-        <a:bodyPr/>
-        <a:lstStyle/>
-        <a:p>
-          <a:endParaRPr lang="en-US"/>
-        </a:p>
-      </dgm:t>
     </dgm:pt>
     <dgm:pt modelId="{E1428C3D-B0C2-6546-B5C7-F74A61419FC5}" type="pres">
       <dgm:prSet presAssocID="{E5C05183-796F-3443-B148-2CADE8C9E234}" presName="extraNode" presStyleLbl="node1" presStyleIdx="0" presStyleCnt="7"/>
@@ -1329,13 +1300,6 @@
         </dgm:presLayoutVars>
       </dgm:prSet>
       <dgm:spPr/>
-      <dgm:t>
-        <a:bodyPr/>
-        <a:lstStyle/>
-        <a:p>
-          <a:endParaRPr lang="en-US"/>
-        </a:p>
-      </dgm:t>
     </dgm:pt>
     <dgm:pt modelId="{76586190-7A47-FD47-8FA5-4242C0040BBA}" type="pres">
       <dgm:prSet presAssocID="{D6549FBA-FB21-E44A-AFBC-DCBF127723DF}" presName="accent_1" presStyleCnt="0"/>
@@ -1361,13 +1325,6 @@
         </dgm:presLayoutVars>
       </dgm:prSet>
       <dgm:spPr/>
-      <dgm:t>
-        <a:bodyPr/>
-        <a:lstStyle/>
-        <a:p>
-          <a:endParaRPr lang="en-US"/>
-        </a:p>
-      </dgm:t>
     </dgm:pt>
     <dgm:pt modelId="{40E27FE4-25C3-0141-AFAE-6A1C2733A657}" type="pres">
       <dgm:prSet presAssocID="{5F1B0AD9-51A4-6544-AA54-71FD5944F9C0}" presName="accent_2" presStyleCnt="0"/>
@@ -1393,13 +1350,6 @@
         </dgm:presLayoutVars>
       </dgm:prSet>
       <dgm:spPr/>
-      <dgm:t>
-        <a:bodyPr/>
-        <a:lstStyle/>
-        <a:p>
-          <a:endParaRPr lang="en-US"/>
-        </a:p>
-      </dgm:t>
     </dgm:pt>
     <dgm:pt modelId="{71162D0E-D8E1-5D47-8294-B2A5D4158D8B}" type="pres">
       <dgm:prSet presAssocID="{A60387BF-17B5-124A-A80D-EFB63F3AC250}" presName="accent_3" presStyleCnt="0"/>
@@ -1425,13 +1375,6 @@
         </dgm:presLayoutVars>
       </dgm:prSet>
       <dgm:spPr/>
-      <dgm:t>
-        <a:bodyPr/>
-        <a:lstStyle/>
-        <a:p>
-          <a:endParaRPr lang="en-US"/>
-        </a:p>
-      </dgm:t>
     </dgm:pt>
     <dgm:pt modelId="{D1504EE6-1828-C64F-A319-015240BF60A8}" type="pres">
       <dgm:prSet presAssocID="{DDFD47D8-9B4E-C04B-99EB-E4E74B63977B}" presName="accent_4" presStyleCnt="0"/>
@@ -1457,13 +1400,6 @@
         </dgm:presLayoutVars>
       </dgm:prSet>
       <dgm:spPr/>
-      <dgm:t>
-        <a:bodyPr/>
-        <a:lstStyle/>
-        <a:p>
-          <a:endParaRPr lang="en-US"/>
-        </a:p>
-      </dgm:t>
     </dgm:pt>
     <dgm:pt modelId="{CE5784B9-D1BE-6546-B3C7-03669DA97A93}" type="pres">
       <dgm:prSet presAssocID="{57B06D76-A3BC-3C4A-9DE8-743721A5CC05}" presName="accent_5" presStyleCnt="0"/>
@@ -1489,13 +1425,6 @@
         </dgm:presLayoutVars>
       </dgm:prSet>
       <dgm:spPr/>
-      <dgm:t>
-        <a:bodyPr/>
-        <a:lstStyle/>
-        <a:p>
-          <a:endParaRPr lang="en-US"/>
-        </a:p>
-      </dgm:t>
     </dgm:pt>
     <dgm:pt modelId="{E936FCB3-8CE1-2E4F-8BA1-93914EF270FF}" type="pres">
       <dgm:prSet presAssocID="{07E48B1B-FCF6-5D4C-8D74-9E6C250444AD}" presName="accent_6" presStyleCnt="0"/>
@@ -1518,13 +1447,6 @@
         </dgm:presLayoutVars>
       </dgm:prSet>
       <dgm:spPr/>
-      <dgm:t>
-        <a:bodyPr/>
-        <a:lstStyle/>
-        <a:p>
-          <a:endParaRPr lang="en-US"/>
-        </a:p>
-      </dgm:t>
     </dgm:pt>
     <dgm:pt modelId="{9C6BF5E9-1FBF-2D41-B9F7-064358341516}" type="pres">
       <dgm:prSet presAssocID="{97C8DC37-019F-0846-ABC8-EDD60349DCD4}" presName="accent_7" presStyleCnt="0"/>
@@ -1545,22 +1467,22 @@
     </dgm:pt>
   </dgm:ptLst>
   <dgm:cxnLst>
+    <dgm:cxn modelId="{89BE7707-6F8F-FA44-A7A5-F4448B737CA8}" srcId="{E5C05183-796F-3443-B148-2CADE8C9E234}" destId="{A60387BF-17B5-124A-A80D-EFB63F3AC250}" srcOrd="2" destOrd="0" parTransId="{555AE5BE-EB6B-4244-B474-707F635546E9}" sibTransId="{69E11C75-CE6E-CB4E-9B98-75677BA86D04}"/>
     <dgm:cxn modelId="{AD48E61D-7BE3-420D-837D-217B5C8C77FA}" type="presOf" srcId="{A60387BF-17B5-124A-A80D-EFB63F3AC250}" destId="{98F4CFC7-7BEA-FE46-A331-BF8F6E6B0421}" srcOrd="0" destOrd="0" presId="urn:microsoft.com/office/officeart/2008/layout/VerticalCurvedList"/>
-    <dgm:cxn modelId="{DDBD7575-A79E-1547-957A-BF1F24008BB9}" srcId="{E5C05183-796F-3443-B148-2CADE8C9E234}" destId="{57B06D76-A3BC-3C4A-9DE8-743721A5CC05}" srcOrd="4" destOrd="0" parTransId="{D2F28A2D-1E7E-FC4F-A8C5-7B7AF6FAB954}" sibTransId="{913F6AC3-7B1B-7D4F-A790-C2C419D16782}"/>
+    <dgm:cxn modelId="{2EEB192D-13D8-4C64-B664-1D9C2EEA7B8A}" type="presOf" srcId="{E5C05183-796F-3443-B148-2CADE8C9E234}" destId="{54CAAC5A-771E-5349-A6B6-9FF2B34CD54A}" srcOrd="0" destOrd="0" presId="urn:microsoft.com/office/officeart/2008/layout/VerticalCurvedList"/>
     <dgm:cxn modelId="{5A0CBD3E-991C-4A38-822B-E1FD3D240789}" type="presOf" srcId="{97C8DC37-019F-0846-ABC8-EDD60349DCD4}" destId="{7DBDE9A0-A855-484C-A83F-45E2C9CDA0C0}" srcOrd="0" destOrd="0" presId="urn:microsoft.com/office/officeart/2008/layout/VerticalCurvedList"/>
     <dgm:cxn modelId="{9DA74967-D12D-954C-B2E0-3E919A6F9906}" srcId="{E5C05183-796F-3443-B148-2CADE8C9E234}" destId="{07E48B1B-FCF6-5D4C-8D74-9E6C250444AD}" srcOrd="5" destOrd="0" parTransId="{8D640979-0683-7A45-A530-2E4584F1F18E}" sibTransId="{D3665292-B0FD-5E48-B5DD-EA000054FBD1}"/>
+    <dgm:cxn modelId="{D977BA67-0E8C-422C-A579-1EE58F270977}" type="presOf" srcId="{DDFD47D8-9B4E-C04B-99EB-E4E74B63977B}" destId="{A30C572E-9A46-1D4C-A814-592184153672}" srcOrd="0" destOrd="0" presId="urn:microsoft.com/office/officeart/2008/layout/VerticalCurvedList"/>
+    <dgm:cxn modelId="{DDBD7575-A79E-1547-957A-BF1F24008BB9}" srcId="{E5C05183-796F-3443-B148-2CADE8C9E234}" destId="{57B06D76-A3BC-3C4A-9DE8-743721A5CC05}" srcOrd="4" destOrd="0" parTransId="{D2F28A2D-1E7E-FC4F-A8C5-7B7AF6FAB954}" sibTransId="{913F6AC3-7B1B-7D4F-A790-C2C419D16782}"/>
+    <dgm:cxn modelId="{2A27635A-2761-4318-8A5F-830359D73E2F}" type="presOf" srcId="{07E48B1B-FCF6-5D4C-8D74-9E6C250444AD}" destId="{DD5306A3-214A-3944-AA8A-EEF86C55D5E4}" srcOrd="0" destOrd="0" presId="urn:microsoft.com/office/officeart/2008/layout/VerticalCurvedList"/>
+    <dgm:cxn modelId="{29DB1C84-7500-4246-A24E-3320BF46B493}" srcId="{E5C05183-796F-3443-B148-2CADE8C9E234}" destId="{5F1B0AD9-51A4-6544-AA54-71FD5944F9C0}" srcOrd="1" destOrd="0" parTransId="{D4347956-65A5-CB40-AEA9-58C056C8FDE6}" sibTransId="{E70540FB-D55B-184F-8A07-D69B52E5D95B}"/>
+    <dgm:cxn modelId="{AC708A9A-5280-4218-84C2-82E6A98E4DBF}" type="presOf" srcId="{5F1B0AD9-51A4-6544-AA54-71FD5944F9C0}" destId="{F4C71EE0-3A46-4548-812E-2F571273D5FC}" srcOrd="0" destOrd="0" presId="urn:microsoft.com/office/officeart/2008/layout/VerticalCurvedList"/>
     <dgm:cxn modelId="{ED8B8DA4-32CE-834F-97F9-7E2C7487A4FB}" srcId="{E5C05183-796F-3443-B148-2CADE8C9E234}" destId="{DDFD47D8-9B4E-C04B-99EB-E4E74B63977B}" srcOrd="3" destOrd="0" parTransId="{A2ADCA50-C19E-2543-B002-959E4E529DDB}" sibTransId="{A75FAA2B-CCC3-BE49-AA28-24924EF2BAE5}"/>
-    <dgm:cxn modelId="{2EEB192D-13D8-4C64-B664-1D9C2EEA7B8A}" type="presOf" srcId="{E5C05183-796F-3443-B148-2CADE8C9E234}" destId="{54CAAC5A-771E-5349-A6B6-9FF2B34CD54A}" srcOrd="0" destOrd="0" presId="urn:microsoft.com/office/officeart/2008/layout/VerticalCurvedList"/>
-    <dgm:cxn modelId="{D977BA67-0E8C-422C-A579-1EE58F270977}" type="presOf" srcId="{DDFD47D8-9B4E-C04B-99EB-E4E74B63977B}" destId="{A30C572E-9A46-1D4C-A814-592184153672}" srcOrd="0" destOrd="0" presId="urn:microsoft.com/office/officeart/2008/layout/VerticalCurvedList"/>
-    <dgm:cxn modelId="{AC708A9A-5280-4218-84C2-82E6A98E4DBF}" type="presOf" srcId="{5F1B0AD9-51A4-6544-AA54-71FD5944F9C0}" destId="{F4C71EE0-3A46-4548-812E-2F571273D5FC}" srcOrd="0" destOrd="0" presId="urn:microsoft.com/office/officeart/2008/layout/VerticalCurvedList"/>
+    <dgm:cxn modelId="{EA5C23AE-9FEC-9949-AE39-8EFA2E7D7541}" srcId="{E5C05183-796F-3443-B148-2CADE8C9E234}" destId="{D6549FBA-FB21-E44A-AFBC-DCBF127723DF}" srcOrd="0" destOrd="0" parTransId="{0F437FB7-52B4-814E-B5C0-BB962CE5CBC2}" sibTransId="{46D5BB11-B473-1F41-82DB-3C19C67FF9F6}"/>
+    <dgm:cxn modelId="{434B40C7-64C3-BE43-926A-E149F681363A}" srcId="{E5C05183-796F-3443-B148-2CADE8C9E234}" destId="{97C8DC37-019F-0846-ABC8-EDD60349DCD4}" srcOrd="6" destOrd="0" parTransId="{6D389E17-A01E-9344-BD72-4874F0F38B4E}" sibTransId="{51FB95A0-9664-6945-B79E-84D1595502B9}"/>
+    <dgm:cxn modelId="{9378C7CD-0591-4D17-9853-334DF224A783}" type="presOf" srcId="{D6549FBA-FB21-E44A-AFBC-DCBF127723DF}" destId="{4744E9A9-5AF5-2449-B836-A3FDE3699B65}" srcOrd="0" destOrd="0" presId="urn:microsoft.com/office/officeart/2008/layout/VerticalCurvedList"/>
     <dgm:cxn modelId="{6D0AEFCF-9AC0-4732-9A1F-1C3002F36CEA}" type="presOf" srcId="{46D5BB11-B473-1F41-82DB-3C19C67FF9F6}" destId="{15DB3670-5075-F24F-8C04-41BB60CFA772}" srcOrd="0" destOrd="0" presId="urn:microsoft.com/office/officeart/2008/layout/VerticalCurvedList"/>
-    <dgm:cxn modelId="{EA5C23AE-9FEC-9949-AE39-8EFA2E7D7541}" srcId="{E5C05183-796F-3443-B148-2CADE8C9E234}" destId="{D6549FBA-FB21-E44A-AFBC-DCBF127723DF}" srcOrd="0" destOrd="0" parTransId="{0F437FB7-52B4-814E-B5C0-BB962CE5CBC2}" sibTransId="{46D5BB11-B473-1F41-82DB-3C19C67FF9F6}"/>
-    <dgm:cxn modelId="{89BE7707-6F8F-FA44-A7A5-F4448B737CA8}" srcId="{E5C05183-796F-3443-B148-2CADE8C9E234}" destId="{A60387BF-17B5-124A-A80D-EFB63F3AC250}" srcOrd="2" destOrd="0" parTransId="{555AE5BE-EB6B-4244-B474-707F635546E9}" sibTransId="{69E11C75-CE6E-CB4E-9B98-75677BA86D04}"/>
     <dgm:cxn modelId="{4F273CEF-0B4C-445B-B4E6-D1B54F986F55}" type="presOf" srcId="{57B06D76-A3BC-3C4A-9DE8-743721A5CC05}" destId="{9E68B60F-41DA-BA4D-9B31-6FD3ADC7E13F}" srcOrd="0" destOrd="0" presId="urn:microsoft.com/office/officeart/2008/layout/VerticalCurvedList"/>
-    <dgm:cxn modelId="{2A27635A-2761-4318-8A5F-830359D73E2F}" type="presOf" srcId="{07E48B1B-FCF6-5D4C-8D74-9E6C250444AD}" destId="{DD5306A3-214A-3944-AA8A-EEF86C55D5E4}" srcOrd="0" destOrd="0" presId="urn:microsoft.com/office/officeart/2008/layout/VerticalCurvedList"/>
-    <dgm:cxn modelId="{9378C7CD-0591-4D17-9853-334DF224A783}" type="presOf" srcId="{D6549FBA-FB21-E44A-AFBC-DCBF127723DF}" destId="{4744E9A9-5AF5-2449-B836-A3FDE3699B65}" srcOrd="0" destOrd="0" presId="urn:microsoft.com/office/officeart/2008/layout/VerticalCurvedList"/>
-    <dgm:cxn modelId="{434B40C7-64C3-BE43-926A-E149F681363A}" srcId="{E5C05183-796F-3443-B148-2CADE8C9E234}" destId="{97C8DC37-019F-0846-ABC8-EDD60349DCD4}" srcOrd="6" destOrd="0" parTransId="{6D389E17-A01E-9344-BD72-4874F0F38B4E}" sibTransId="{51FB95A0-9664-6945-B79E-84D1595502B9}"/>
-    <dgm:cxn modelId="{29DB1C84-7500-4246-A24E-3320BF46B493}" srcId="{E5C05183-796F-3443-B148-2CADE8C9E234}" destId="{5F1B0AD9-51A4-6544-AA54-71FD5944F9C0}" srcOrd="1" destOrd="0" parTransId="{D4347956-65A5-CB40-AEA9-58C056C8FDE6}" sibTransId="{E70540FB-D55B-184F-8A07-D69B52E5D95B}"/>
     <dgm:cxn modelId="{51923053-273E-4173-B614-CFF2D567D30F}" type="presParOf" srcId="{54CAAC5A-771E-5349-A6B6-9FF2B34CD54A}" destId="{7AAFA9DE-92A0-5D49-8DD0-F9E1AA0FBBFA}" srcOrd="0" destOrd="0" presId="urn:microsoft.com/office/officeart/2008/layout/VerticalCurvedList"/>
     <dgm:cxn modelId="{A5ED05E2-50FA-4B97-BB20-15095DA98FE1}" type="presParOf" srcId="{7AAFA9DE-92A0-5D49-8DD0-F9E1AA0FBBFA}" destId="{D29F900E-4BD4-4546-8E28-AA512ADB1CB4}" srcOrd="0" destOrd="0" presId="urn:microsoft.com/office/officeart/2008/layout/VerticalCurvedList"/>
     <dgm:cxn modelId="{2141DD9A-75F0-4B0A-9900-17176A4A4553}" type="presParOf" srcId="{D29F900E-4BD4-4546-8E28-AA512ADB1CB4}" destId="{B7B447DE-3CF0-2B4C-9156-44A8071C3CB0}" srcOrd="0" destOrd="0" presId="urn:microsoft.com/office/officeart/2008/layout/VerticalCurvedList"/>
@@ -1701,7 +1623,7 @@
         </a:bodyPr>
         <a:lstStyle/>
         <a:p>
-          <a:pPr lvl="0" algn="l" defTabSz="844550">
+          <a:pPr marL="0" lvl="0" indent="0" algn="l" defTabSz="844550">
             <a:lnSpc>
               <a:spcPct val="90000"/>
             </a:lnSpc>
@@ -1711,20 +1633,16 @@
             <a:spcAft>
               <a:spcPct val="35000"/>
             </a:spcAft>
+            <a:buNone/>
           </a:pPr>
           <a:r>
-            <a:rPr lang="en-US" sz="1900" kern="1200" dirty="0" smtClean="0">
+            <a:rPr lang="en-US" sz="1900" kern="1200" dirty="0">
               <a:solidFill>
                 <a:schemeClr val="tx1"/>
               </a:solidFill>
             </a:rPr>
             <a:t>Topic 1</a:t>
           </a:r>
-          <a:endParaRPr lang="en-US" sz="1900" kern="1200" dirty="0">
-            <a:solidFill>
-              <a:schemeClr val="tx1"/>
-            </a:solidFill>
-          </a:endParaRPr>
         </a:p>
       </dsp:txBody>
       <dsp:txXfrm>
@@ -1818,7 +1736,7 @@
         </a:bodyPr>
         <a:lstStyle/>
         <a:p>
-          <a:pPr lvl="0" algn="l" defTabSz="844550">
+          <a:pPr marL="0" lvl="0" indent="0" algn="l" defTabSz="844550">
             <a:lnSpc>
               <a:spcPct val="90000"/>
             </a:lnSpc>
@@ -1828,20 +1746,16 @@
             <a:spcAft>
               <a:spcPct val="35000"/>
             </a:spcAft>
+            <a:buNone/>
           </a:pPr>
           <a:r>
-            <a:rPr lang="en-US" sz="1900" kern="1200" dirty="0" smtClean="0">
+            <a:rPr lang="en-US" sz="1900" kern="1200" dirty="0">
               <a:solidFill>
                 <a:srgbClr val="000000"/>
               </a:solidFill>
             </a:rPr>
             <a:t>Topic 2</a:t>
           </a:r>
-          <a:endParaRPr lang="en-US" sz="1900" kern="1200" dirty="0">
-            <a:solidFill>
-              <a:srgbClr val="000000"/>
-            </a:solidFill>
-          </a:endParaRPr>
         </a:p>
       </dsp:txBody>
       <dsp:txXfrm>
@@ -1935,7 +1849,7 @@
         </a:bodyPr>
         <a:lstStyle/>
         <a:p>
-          <a:pPr lvl="0" algn="l" defTabSz="844550">
+          <a:pPr marL="0" lvl="0" indent="0" algn="l" defTabSz="844550">
             <a:lnSpc>
               <a:spcPct val="90000"/>
             </a:lnSpc>
@@ -1945,20 +1859,16 @@
             <a:spcAft>
               <a:spcPct val="35000"/>
             </a:spcAft>
+            <a:buNone/>
           </a:pPr>
           <a:r>
-            <a:rPr lang="en-US" sz="1900" kern="1200" dirty="0" smtClean="0">
+            <a:rPr lang="en-US" sz="1900" kern="1200" dirty="0">
               <a:solidFill>
                 <a:srgbClr val="000000"/>
               </a:solidFill>
             </a:rPr>
             <a:t>Topic 3</a:t>
           </a:r>
-          <a:endParaRPr lang="en-US" sz="1900" kern="1200" dirty="0">
-            <a:solidFill>
-              <a:srgbClr val="000000"/>
-            </a:solidFill>
-          </a:endParaRPr>
         </a:p>
       </dsp:txBody>
       <dsp:txXfrm>
@@ -2052,7 +1962,7 @@
         </a:bodyPr>
         <a:lstStyle/>
         <a:p>
-          <a:pPr lvl="0" algn="l" defTabSz="844550">
+          <a:pPr marL="0" lvl="0" indent="0" algn="l" defTabSz="844550">
             <a:lnSpc>
               <a:spcPct val="90000"/>
             </a:lnSpc>
@@ -2062,6 +1972,7 @@
             <a:spcAft>
               <a:spcPct val="35000"/>
             </a:spcAft>
+            <a:buNone/>
           </a:pPr>
           <a:endParaRPr lang="en-US" sz="1900" kern="1200" dirty="0">
             <a:solidFill>
@@ -2161,7 +2072,7 @@
         </a:bodyPr>
         <a:lstStyle/>
         <a:p>
-          <a:pPr lvl="0" algn="l" defTabSz="844550">
+          <a:pPr marL="0" lvl="0" indent="0" algn="l" defTabSz="844550">
             <a:lnSpc>
               <a:spcPct val="90000"/>
             </a:lnSpc>
@@ -2171,6 +2082,7 @@
             <a:spcAft>
               <a:spcPct val="35000"/>
             </a:spcAft>
+            <a:buNone/>
           </a:pPr>
           <a:endParaRPr lang="en-US" sz="1900" kern="1200" dirty="0">
             <a:solidFill>
@@ -2270,7 +2182,7 @@
         </a:bodyPr>
         <a:lstStyle/>
         <a:p>
-          <a:pPr lvl="0" algn="l" defTabSz="844550">
+          <a:pPr marL="0" lvl="0" indent="0" algn="l" defTabSz="844550">
             <a:lnSpc>
               <a:spcPct val="90000"/>
             </a:lnSpc>
@@ -2280,6 +2192,7 @@
             <a:spcAft>
               <a:spcPct val="35000"/>
             </a:spcAft>
+            <a:buNone/>
           </a:pPr>
           <a:endParaRPr lang="en-US" sz="1900" kern="1200" dirty="0">
             <a:solidFill>
@@ -2384,7 +2297,7 @@
         </a:bodyPr>
         <a:lstStyle/>
         <a:p>
-          <a:pPr lvl="0" algn="l" defTabSz="844550">
+          <a:pPr marL="0" lvl="0" indent="0" algn="l" defTabSz="844550">
             <a:lnSpc>
               <a:spcPct val="90000"/>
             </a:lnSpc>
@@ -2394,6 +2307,7 @@
             <a:spcAft>
               <a:spcPct val="35000"/>
             </a:spcAft>
+            <a:buNone/>
           </a:pPr>
           <a:endParaRPr lang="en-US" sz="1900" kern="1200" dirty="0">
             <a:solidFill>
@@ -4842,7 +4756,7 @@
           <a:p>
             <a:fld id="{695CFCAD-1468-454C-9264-D8DC1210038A}" type="datetimeFigureOut">
               <a:rPr lang="en-US" smtClean="0"/>
-              <a:t>12/14/17</a:t>
+              <a:t>8/26/2020</a:t>
             </a:fld>
             <a:endParaRPr lang="en-US"/>
           </a:p>
@@ -5006,38 +4920,37 @@
           <a:p>
             <a:pPr lvl="0"/>
             <a:r>
-              <a:rPr lang="en-US" dirty="0" smtClean="0"/>
+              <a:rPr lang="en-US" dirty="0"/>
               <a:t>Click to edit Master text styles</a:t>
             </a:r>
           </a:p>
           <a:p>
             <a:pPr lvl="1"/>
             <a:r>
-              <a:rPr lang="en-US" dirty="0" smtClean="0"/>
+              <a:rPr lang="en-US" dirty="0"/>
               <a:t>Second level</a:t>
             </a:r>
           </a:p>
           <a:p>
             <a:pPr lvl="2"/>
             <a:r>
-              <a:rPr lang="en-US" dirty="0" smtClean="0"/>
+              <a:rPr lang="en-US" dirty="0"/>
               <a:t>Third level</a:t>
             </a:r>
           </a:p>
           <a:p>
             <a:pPr lvl="3"/>
             <a:r>
-              <a:rPr lang="en-US" dirty="0" smtClean="0"/>
+              <a:rPr lang="en-US" dirty="0"/>
               <a:t>Fourth level</a:t>
             </a:r>
           </a:p>
           <a:p>
             <a:pPr lvl="4"/>
             <a:r>
-              <a:rPr lang="en-US" dirty="0" smtClean="0"/>
+              <a:rPr lang="en-US" dirty="0"/>
               <a:t>Fifth level</a:t>
             </a:r>
-            <a:endParaRPr lang="en-US" dirty="0"/>
           </a:p>
         </p:txBody>
       </p:sp>
@@ -5327,18 +5240,17 @@
           <a:lstStyle/>
           <a:p>
             <a:r>
-              <a:rPr lang="en-US" dirty="0" smtClean="0"/>
+              <a:rPr lang="en-US" dirty="0"/>
               <a:t>Next,</a:t>
             </a:r>
             <a:r>
-              <a:rPr lang="en-US" baseline="0" dirty="0" smtClean="0"/>
+              <a:rPr lang="en-US" baseline="0" dirty="0"/>
               <a:t> l</a:t>
             </a:r>
             <a:r>
-              <a:rPr lang="en-US" dirty="0" smtClean="0"/>
+              <a:rPr lang="en-US" dirty="0"/>
               <a:t>et’s examine some common deployment options for CIS. </a:t>
             </a:r>
-            <a:endParaRPr lang="en-US" dirty="0"/>
           </a:p>
         </p:txBody>
       </p:sp>
@@ -5535,7 +5447,7 @@
               <a:pPr eaLnBrk="1" hangingPunct="1"/>
               <a:t>4</a:t>
             </a:fld>
-            <a:endParaRPr lang="en-US" sz="1200" smtClean="0">
+            <a:endParaRPr lang="en-US" sz="1200">
               <a:solidFill>
                 <a:schemeClr val="tx1"/>
               </a:solidFill>
@@ -5579,7 +5491,7 @@
           <a:lstStyle/>
           <a:p>
             <a:pPr marL="228600" indent="-228600" eaLnBrk="1" hangingPunct="1"/>
-            <a:endParaRPr lang="en-US" dirty="0" smtClean="0">
+            <a:endParaRPr lang="en-US" dirty="0">
               <a:latin typeface="Arial" charset="0"/>
             </a:endParaRPr>
           </a:p>
@@ -5648,18 +5560,17 @@
           <a:lstStyle/>
           <a:p>
             <a:r>
-              <a:rPr lang="en-US" dirty="0" smtClean="0"/>
+              <a:rPr lang="en-US" dirty="0"/>
               <a:t>Next,</a:t>
             </a:r>
             <a:r>
-              <a:rPr lang="en-US" baseline="0" dirty="0" smtClean="0"/>
+              <a:rPr lang="en-US" baseline="0" dirty="0"/>
               <a:t> l</a:t>
             </a:r>
             <a:r>
-              <a:rPr lang="en-US" dirty="0" smtClean="0"/>
+              <a:rPr lang="en-US" dirty="0"/>
               <a:t>et’s examine some common deployment options for CIS. </a:t>
             </a:r>
-            <a:endParaRPr lang="en-US" dirty="0"/>
           </a:p>
         </p:txBody>
       </p:sp>
@@ -6051,10 +5962,9 @@
           <a:p>
             <a:pPr lvl="0"/>
             <a:r>
-              <a:rPr lang="en-US" dirty="0" smtClean="0"/>
+              <a:rPr lang="en-US" dirty="0"/>
               <a:t>Click to edit title</a:t>
             </a:r>
-            <a:endParaRPr lang="en-US" dirty="0"/>
           </a:p>
         </p:txBody>
       </p:sp>
@@ -6123,7 +6033,7 @@
               <a:defRPr/>
             </a:pPr>
             <a:r>
-              <a:rPr lang="en-US" dirty="0" smtClean="0"/>
+              <a:rPr lang="en-US" dirty="0"/>
               <a:t>Click to edit presenter name</a:t>
             </a:r>
           </a:p>
@@ -6197,18 +6107,17 @@
           </a:lstStyle>
           <a:p>
             <a:r>
-              <a:rPr lang="en-US" dirty="0" smtClean="0"/>
+              <a:rPr lang="en-US" dirty="0"/>
               <a:t>© Copyright 2000-</a:t>
             </a:r>
             <a:r>
-              <a:rPr lang="is-IS" dirty="0" smtClean="0"/>
+              <a:rPr lang="is-IS" dirty="0"/>
               <a:t>2017</a:t>
             </a:r>
             <a:r>
-              <a:rPr lang="en-US" dirty="0" smtClean="0"/>
+              <a:rPr lang="en-US" dirty="0"/>
               <a:t> TIBCO Software Inc.      </a:t>
             </a:r>
-            <a:endParaRPr lang="en-US" dirty="0"/>
           </a:p>
         </p:txBody>
       </p:sp>
@@ -6234,13 +6143,6 @@
       </p:transition>
     </mc:Fallback>
   </mc:AlternateContent>
-  <p:timing>
-    <p:tnLst>
-      <p:par>
-        <p:cTn id="1" dur="indefinite" restart="never" nodeType="tmRoot"/>
-      </p:par>
-    </p:tnLst>
-  </p:timing>
 </p:sldLayout>
 </file>
 
@@ -6355,10 +6257,9 @@
           <a:p>
             <a:pPr lvl="0"/>
             <a:r>
-              <a:rPr lang="en-US" dirty="0" smtClean="0"/>
+              <a:rPr lang="en-US" dirty="0"/>
               <a:t>Click to edit title</a:t>
             </a:r>
-            <a:endParaRPr lang="en-US" dirty="0"/>
           </a:p>
         </p:txBody>
       </p:sp>
@@ -6427,7 +6328,7 @@
               <a:defRPr/>
             </a:pPr>
             <a:r>
-              <a:rPr lang="en-US" dirty="0" smtClean="0"/>
+              <a:rPr lang="en-US" dirty="0"/>
               <a:t>Click to edit presenter name</a:t>
             </a:r>
           </a:p>
@@ -6473,7 +6374,7 @@
           </a:lstStyle>
           <a:p>
             <a:r>
-              <a:rPr lang="en-US" dirty="0" smtClean="0">
+              <a:rPr lang="en-US" dirty="0">
                 <a:solidFill>
                   <a:srgbClr val="DCDDDE"/>
                 </a:solidFill>
@@ -6493,13 +6394,6 @@
   <p:clrMapOvr>
     <a:masterClrMapping/>
   </p:clrMapOvr>
-  <p:timing>
-    <p:tnLst>
-      <p:par>
-        <p:cTn id="1" dur="indefinite" restart="never" nodeType="tmRoot"/>
-      </p:par>
-    </p:tnLst>
-  </p:timing>
 </p:sldLayout>
 </file>
 
@@ -6577,10 +6471,9 @@
           </a:lstStyle>
           <a:p>
             <a:r>
-              <a:rPr lang="en-US" dirty="0" smtClean="0"/>
+              <a:rPr lang="en-US" dirty="0"/>
               <a:t>Click to edit Master title style</a:t>
             </a:r>
-            <a:endParaRPr lang="en-US" dirty="0"/>
           </a:p>
         </p:txBody>
       </p:sp>
@@ -6597,13 +6490,6 @@
   <p:transition>
     <p:wipe dir="r"/>
   </p:transition>
-  <p:timing>
-    <p:tnLst>
-      <p:par>
-        <p:cTn id="1" dur="indefinite" restart="never" nodeType="tmRoot"/>
-      </p:par>
-    </p:tnLst>
-  </p:timing>
 </p:sldLayout>
 </file>
 
@@ -6634,13 +6520,6 @@
   <p:clrMapOvr>
     <a:masterClrMapping/>
   </p:clrMapOvr>
-  <p:timing>
-    <p:tnLst>
-      <p:par>
-        <p:cTn id="1" dur="indefinite" restart="never" nodeType="tmRoot"/>
-      </p:par>
-    </p:tnLst>
-  </p:timing>
 </p:sldLayout>
 </file>
 
@@ -6700,13 +6579,6 @@
   <p:clrMapOvr>
     <a:masterClrMapping/>
   </p:clrMapOvr>
-  <p:timing>
-    <p:tnLst>
-      <p:par>
-        <p:cTn id="1" dur="indefinite" restart="never" nodeType="tmRoot"/>
-      </p:par>
-    </p:tnLst>
-  </p:timing>
 </p:sldLayout>
 </file>
 
@@ -6796,13 +6668,6 @@
   <p:clrMapOvr>
     <a:masterClrMapping/>
   </p:clrMapOvr>
-  <p:timing>
-    <p:tnLst>
-      <p:par>
-        <p:cTn id="1" dur="indefinite" restart="never" nodeType="tmRoot"/>
-      </p:par>
-    </p:tnLst>
-  </p:timing>
 </p:sldLayout>
 </file>
 
@@ -6862,13 +6727,6 @@
   <p:clrMapOvr>
     <a:masterClrMapping/>
   </p:clrMapOvr>
-  <p:timing>
-    <p:tnLst>
-      <p:par>
-        <p:cTn id="1" dur="indefinite" restart="never" nodeType="tmRoot"/>
-      </p:par>
-    </p:tnLst>
-  </p:timing>
 </p:sldLayout>
 </file>
 
@@ -7011,10 +6869,9 @@
           </a:lstStyle>
           <a:p>
             <a:r>
-              <a:rPr lang="en-US" dirty="0" smtClean="0"/>
+              <a:rPr lang="en-US" dirty="0"/>
               <a:t>Click to edit Master title style</a:t>
             </a:r>
-            <a:endParaRPr lang="en-US" dirty="0"/>
           </a:p>
         </p:txBody>
       </p:sp>
@@ -7028,13 +6885,6 @@
   <p:clrMapOvr>
     <a:masterClrMapping/>
   </p:clrMapOvr>
-  <p:timing>
-    <p:tnLst>
-      <p:par>
-        <p:cTn id="1" dur="indefinite" restart="never" nodeType="tmRoot"/>
-      </p:par>
-    </p:tnLst>
-  </p:timing>
 </p:sldLayout>
 </file>
 
@@ -7141,10 +6991,9 @@
           </a:lstStyle>
           <a:p>
             <a:r>
-              <a:rPr lang="en-US" dirty="0" smtClean="0"/>
+              <a:rPr lang="en-US" dirty="0"/>
               <a:t>Click to edit Master title style</a:t>
             </a:r>
-            <a:endParaRPr lang="en-US" dirty="0"/>
           </a:p>
         </p:txBody>
       </p:sp>
@@ -7158,13 +7007,6 @@
   <p:clrMapOvr>
     <a:masterClrMapping/>
   </p:clrMapOvr>
-  <p:timing>
-    <p:tnLst>
-      <p:par>
-        <p:cTn id="1" dur="indefinite" restart="never" nodeType="tmRoot"/>
-      </p:par>
-    </p:tnLst>
-  </p:timing>
 </p:sldLayout>
 </file>
 
@@ -7368,13 +7210,6 @@
   <p:clrMapOvr>
     <a:masterClrMapping/>
   </p:clrMapOvr>
-  <p:timing>
-    <p:tnLst>
-      <p:par>
-        <p:cTn id="1" dur="indefinite" restart="never" nodeType="tmRoot"/>
-      </p:par>
-    </p:tnLst>
-  </p:timing>
 </p:sldLayout>
 </file>
 
@@ -7429,18 +7264,17 @@
           </a:lstStyle>
           <a:p>
             <a:r>
-              <a:rPr lang="en-US" dirty="0" smtClean="0"/>
+              <a:rPr lang="en-US" dirty="0"/>
               <a:t>© Copyright 2000-</a:t>
             </a:r>
             <a:r>
-              <a:rPr lang="is-IS" dirty="0" smtClean="0"/>
+              <a:rPr lang="is-IS" dirty="0"/>
               <a:t>2017</a:t>
             </a:r>
             <a:r>
-              <a:rPr lang="en-US" dirty="0" smtClean="0"/>
+              <a:rPr lang="en-US" dirty="0"/>
               <a:t> TIBCO Software Inc.      </a:t>
             </a:r>
-            <a:endParaRPr lang="en-US" dirty="0"/>
           </a:p>
         </p:txBody>
       </p:sp>
@@ -7460,10 +7294,9 @@
           <a:lstStyle/>
           <a:p>
             <a:r>
-              <a:rPr lang="en-US" smtClean="0"/>
+              <a:rPr lang="en-US"/>
               <a:t>Click to edit Master title style</a:t>
             </a:r>
-            <a:endParaRPr lang="en-US"/>
           </a:p>
         </p:txBody>
       </p:sp>
@@ -7489,13 +7322,6 @@
       </p:transition>
     </mc:Fallback>
   </mc:AlternateContent>
-  <p:timing>
-    <p:tnLst>
-      <p:par>
-        <p:cTn id="1" dur="indefinite" restart="never" nodeType="tmRoot"/>
-      </p:par>
-    </p:tnLst>
-  </p:timing>
 </p:sldLayout>
 </file>
 
@@ -7550,13 +7376,6 @@
   <p:clrMapOvr>
     <a:masterClrMapping/>
   </p:clrMapOvr>
-  <p:timing>
-    <p:tnLst>
-      <p:par>
-        <p:cTn id="1" dur="indefinite" restart="never" nodeType="tmRoot"/>
-      </p:par>
-    </p:tnLst>
-  </p:timing>
 </p:sldLayout>
 </file>
 
@@ -7635,13 +7454,6 @@
   <p:clrMapOvr>
     <a:masterClrMapping/>
   </p:clrMapOvr>
-  <p:timing>
-    <p:tnLst>
-      <p:par>
-        <p:cTn id="1" dur="indefinite" restart="never" nodeType="tmRoot"/>
-      </p:par>
-    </p:tnLst>
-  </p:timing>
 </p:sldLayout>
 </file>
 
@@ -7714,7 +7526,7 @@
           <a:lstStyle/>
           <a:p>
             <a:r>
-              <a:rPr lang="en-US" sz="5400" dirty="0" smtClean="0">
+              <a:rPr lang="en-US" sz="5400" dirty="0">
                 <a:solidFill>
                   <a:schemeClr val="tx2"/>
                 </a:solidFill>
@@ -7723,13 +7535,6 @@
               </a:rPr>
               <a:t>Thank You!</a:t>
             </a:r>
-            <a:endParaRPr lang="en-US" sz="5400" dirty="0">
-              <a:solidFill>
-                <a:schemeClr val="tx2"/>
-              </a:solidFill>
-              <a:latin typeface="Arial Black"/>
-              <a:cs typeface="Arial Black"/>
-            </a:endParaRPr>
           </a:p>
         </p:txBody>
       </p:sp>
@@ -7743,13 +7548,6 @@
   <p:clrMapOvr>
     <a:masterClrMapping/>
   </p:clrMapOvr>
-  <p:timing>
-    <p:tnLst>
-      <p:par>
-        <p:cTn id="1" dur="indefinite" restart="never" nodeType="tmRoot"/>
-      </p:par>
-    </p:tnLst>
-  </p:timing>
 </p:sldLayout>
 </file>
 
@@ -7794,10 +7592,9 @@
           <a:lstStyle/>
           <a:p>
             <a:r>
-              <a:rPr lang="en-US" dirty="0" smtClean="0"/>
+              <a:rPr lang="en-US" dirty="0"/>
               <a:t>Click to edit Master title style</a:t>
             </a:r>
-            <a:endParaRPr lang="en-US" dirty="0"/>
           </a:p>
         </p:txBody>
       </p:sp>
@@ -7855,28 +7652,28 @@
           <a:p>
             <a:pPr lvl="0"/>
             <a:r>
-              <a:rPr lang="en-US" dirty="0" smtClean="0"/>
+              <a:rPr lang="en-US" dirty="0"/>
               <a:t>Click to edit Master text styles</a:t>
             </a:r>
           </a:p>
           <a:p>
             <a:pPr lvl="1"/>
             <a:r>
-              <a:rPr lang="en-US" dirty="0" smtClean="0"/>
+              <a:rPr lang="en-US" dirty="0"/>
               <a:t>Second level</a:t>
             </a:r>
           </a:p>
           <a:p>
             <a:pPr lvl="2"/>
             <a:r>
-              <a:rPr lang="en-US" dirty="0" smtClean="0"/>
+              <a:rPr lang="en-US" dirty="0"/>
               <a:t>Third level</a:t>
             </a:r>
           </a:p>
           <a:p>
             <a:pPr lvl="3"/>
             <a:r>
-              <a:rPr lang="en-US" dirty="0" smtClean="0"/>
+              <a:rPr lang="en-US" dirty="0"/>
               <a:t>Fourth level</a:t>
             </a:r>
           </a:p>
@@ -7982,13 +7779,6 @@
   <p:clrMapOvr>
     <a:masterClrMapping/>
   </p:clrMapOvr>
-  <p:timing>
-    <p:tnLst>
-      <p:par>
-        <p:cTn id="1" dur="indefinite" restart="never" nodeType="tmRoot"/>
-      </p:par>
-    </p:tnLst>
-  </p:timing>
 </p:sldLayout>
 </file>
 
@@ -8043,18 +7833,17 @@
           </a:lstStyle>
           <a:p>
             <a:r>
-              <a:rPr lang="en-US" dirty="0" smtClean="0"/>
+              <a:rPr lang="en-US" dirty="0"/>
               <a:t>© Copyright 2000-</a:t>
             </a:r>
             <a:r>
-              <a:rPr lang="is-IS" dirty="0" smtClean="0"/>
+              <a:rPr lang="is-IS" dirty="0"/>
               <a:t>2017</a:t>
             </a:r>
             <a:r>
-              <a:rPr lang="en-US" dirty="0" smtClean="0"/>
+              <a:rPr lang="en-US" dirty="0"/>
               <a:t> TIBCO Software Inc.      </a:t>
             </a:r>
-            <a:endParaRPr lang="en-US" dirty="0"/>
           </a:p>
         </p:txBody>
       </p:sp>
@@ -8080,13 +7869,6 @@
       </p:transition>
     </mc:Fallback>
   </mc:AlternateContent>
-  <p:timing>
-    <p:tnLst>
-      <p:par>
-        <p:cTn id="1" dur="indefinite" restart="never" nodeType="tmRoot"/>
-      </p:par>
-    </p:tnLst>
-  </p:timing>
 </p:sldLayout>
 </file>
 
@@ -8123,10 +7905,9 @@
           <a:lstStyle/>
           <a:p>
             <a:r>
-              <a:rPr lang="en-US" smtClean="0"/>
+              <a:rPr lang="en-US"/>
               <a:t>Click to edit Master title style</a:t>
             </a:r>
-            <a:endParaRPr lang="en-US"/>
           </a:p>
         </p:txBody>
       </p:sp>
@@ -8161,35 +7942,35 @@
           <a:p>
             <a:pPr lvl="0"/>
             <a:r>
-              <a:rPr lang="en-US" smtClean="0"/>
+              <a:rPr lang="en-US"/>
               <a:t>Click to edit Master text styles</a:t>
             </a:r>
           </a:p>
           <a:p>
             <a:pPr lvl="1"/>
             <a:r>
-              <a:rPr lang="en-US" smtClean="0"/>
+              <a:rPr lang="en-US"/>
               <a:t>Second level</a:t>
             </a:r>
           </a:p>
           <a:p>
             <a:pPr lvl="2"/>
             <a:r>
-              <a:rPr lang="en-US" smtClean="0"/>
+              <a:rPr lang="en-US"/>
               <a:t>Third level</a:t>
             </a:r>
           </a:p>
           <a:p>
             <a:pPr lvl="3"/>
             <a:r>
-              <a:rPr lang="en-US" smtClean="0"/>
+              <a:rPr lang="en-US"/>
               <a:t>Fourth level</a:t>
             </a:r>
           </a:p>
           <a:p>
             <a:pPr lvl="4"/>
             <a:r>
-              <a:rPr lang="en-US" smtClean="0"/>
+              <a:rPr lang="en-US"/>
               <a:t>Fifth level</a:t>
             </a:r>
             <a:endParaRPr lang="en-US" dirty="0"/>
@@ -8230,18 +8011,17 @@
           </a:lstStyle>
           <a:p>
             <a:r>
-              <a:rPr lang="en-US" dirty="0" smtClean="0"/>
+              <a:rPr lang="en-US" dirty="0"/>
               <a:t>© Copyright 2000-</a:t>
             </a:r>
             <a:r>
-              <a:rPr lang="is-IS" dirty="0" smtClean="0"/>
+              <a:rPr lang="is-IS" dirty="0"/>
               <a:t>2017</a:t>
             </a:r>
             <a:r>
-              <a:rPr lang="en-US" dirty="0" smtClean="0"/>
+              <a:rPr lang="en-US" dirty="0"/>
               <a:t> TIBCO Software Inc.      </a:t>
             </a:r>
-            <a:endParaRPr lang="en-US" dirty="0"/>
           </a:p>
         </p:txBody>
       </p:sp>
@@ -8267,13 +8047,6 @@
       </p:transition>
     </mc:Fallback>
   </mc:AlternateContent>
-  <p:timing>
-    <p:tnLst>
-      <p:par>
-        <p:cTn id="1" dur="indefinite" restart="never" nodeType="tmRoot"/>
-      </p:par>
-    </p:tnLst>
-  </p:timing>
 </p:sldLayout>
 </file>
 
@@ -8310,7 +8083,7 @@
           <a:lstStyle/>
           <a:p>
             <a:r>
-              <a:rPr lang="en-US" smtClean="0"/>
+              <a:rPr lang="en-US"/>
               <a:t>Click to edit Master title style</a:t>
             </a:r>
             <a:endParaRPr lang="en-US" dirty="0"/>
@@ -8351,18 +8124,17 @@
           </a:lstStyle>
           <a:p>
             <a:r>
-              <a:rPr lang="en-US" dirty="0" smtClean="0"/>
+              <a:rPr lang="en-US" dirty="0"/>
               <a:t>© Copyright 2000-</a:t>
             </a:r>
             <a:r>
-              <a:rPr lang="is-IS" dirty="0" smtClean="0"/>
+              <a:rPr lang="is-IS" dirty="0"/>
               <a:t>2017</a:t>
             </a:r>
             <a:r>
-              <a:rPr lang="en-US" dirty="0" smtClean="0"/>
+              <a:rPr lang="en-US" dirty="0"/>
               <a:t> TIBCO Software Inc.      </a:t>
             </a:r>
-            <a:endParaRPr lang="en-US" dirty="0"/>
           </a:p>
         </p:txBody>
       </p:sp>
@@ -8430,38 +8202,37 @@
           <a:p>
             <a:pPr lvl="0"/>
             <a:r>
-              <a:rPr lang="en-US" dirty="0" smtClean="0"/>
+              <a:rPr lang="en-US" dirty="0"/>
               <a:t>Primary Bullet Arial 20pt</a:t>
             </a:r>
           </a:p>
           <a:p>
             <a:pPr lvl="1"/>
             <a:r>
-              <a:rPr lang="en-US" dirty="0" smtClean="0"/>
+              <a:rPr lang="en-US" dirty="0"/>
               <a:t>Secondary Bullet Arial 18pt</a:t>
             </a:r>
           </a:p>
           <a:p>
             <a:pPr lvl="2"/>
             <a:r>
-              <a:rPr lang="en-US" dirty="0" smtClean="0"/>
+              <a:rPr lang="en-US" dirty="0"/>
               <a:t>Tertiary Bullet Arial 16pt</a:t>
             </a:r>
           </a:p>
           <a:p>
             <a:pPr lvl="3"/>
             <a:r>
-              <a:rPr lang="en-US" dirty="0" smtClean="0"/>
+              <a:rPr lang="en-US" dirty="0"/>
               <a:t>Fourth level</a:t>
             </a:r>
           </a:p>
           <a:p>
             <a:pPr lvl="4"/>
             <a:r>
-              <a:rPr lang="en-US" dirty="0" smtClean="0"/>
+              <a:rPr lang="en-US" dirty="0"/>
               <a:t>Fifth level</a:t>
             </a:r>
-            <a:endParaRPr lang="en-US" dirty="0"/>
           </a:p>
         </p:txBody>
       </p:sp>
@@ -8529,38 +8300,37 @@
           <a:p>
             <a:pPr lvl="0"/>
             <a:r>
-              <a:rPr lang="en-US" dirty="0" smtClean="0"/>
+              <a:rPr lang="en-US" dirty="0"/>
               <a:t>Primary Bullet Arial 20pt</a:t>
             </a:r>
           </a:p>
           <a:p>
             <a:pPr lvl="1"/>
             <a:r>
-              <a:rPr lang="en-US" dirty="0" smtClean="0"/>
+              <a:rPr lang="en-US" dirty="0"/>
               <a:t>Secondary Bullet Arial 18pt</a:t>
             </a:r>
           </a:p>
           <a:p>
             <a:pPr lvl="2"/>
             <a:r>
-              <a:rPr lang="en-US" dirty="0" smtClean="0"/>
+              <a:rPr lang="en-US" dirty="0"/>
               <a:t>Tertiary Bullet Arial 16pt</a:t>
             </a:r>
           </a:p>
           <a:p>
             <a:pPr lvl="3"/>
             <a:r>
-              <a:rPr lang="en-US" dirty="0" smtClean="0"/>
+              <a:rPr lang="en-US" dirty="0"/>
               <a:t>Fourth level</a:t>
             </a:r>
           </a:p>
           <a:p>
             <a:pPr lvl="4"/>
             <a:r>
-              <a:rPr lang="en-US" dirty="0" smtClean="0"/>
+              <a:rPr lang="en-US" dirty="0"/>
               <a:t>Fifth level</a:t>
             </a:r>
-            <a:endParaRPr lang="en-US" dirty="0"/>
           </a:p>
         </p:txBody>
       </p:sp>
@@ -8586,13 +8356,6 @@
       </p:transition>
     </mc:Fallback>
   </mc:AlternateContent>
-  <p:timing>
-    <p:tnLst>
-      <p:par>
-        <p:cTn id="1" dur="indefinite" restart="never" nodeType="tmRoot"/>
-      </p:par>
-    </p:tnLst>
-  </p:timing>
 </p:sldLayout>
 </file>
 
@@ -8687,18 +8450,17 @@
           <a:lstStyle/>
           <a:p>
             <a:r>
-              <a:rPr lang="en-US" dirty="0" smtClean="0"/>
+              <a:rPr lang="en-US" dirty="0"/>
               <a:t>© Copyright 2000-</a:t>
             </a:r>
             <a:r>
-              <a:rPr lang="is-IS" dirty="0" smtClean="0"/>
+              <a:rPr lang="is-IS" dirty="0"/>
               <a:t>2017</a:t>
             </a:r>
             <a:r>
-              <a:rPr lang="en-US" dirty="0" smtClean="0"/>
+              <a:rPr lang="en-US" dirty="0"/>
               <a:t> TIBCO Software Inc.      </a:t>
             </a:r>
-            <a:endParaRPr lang="en-US" dirty="0"/>
           </a:p>
         </p:txBody>
       </p:sp>
@@ -8718,10 +8480,9 @@
           <a:lstStyle/>
           <a:p>
             <a:r>
-              <a:rPr lang="en-US" smtClean="0"/>
+              <a:rPr lang="en-US"/>
               <a:t>Click to edit Master title style</a:t>
             </a:r>
-            <a:endParaRPr lang="en-US"/>
           </a:p>
         </p:txBody>
       </p:sp>
@@ -8747,13 +8508,6 @@
       </p:transition>
     </mc:Fallback>
   </mc:AlternateContent>
-  <p:timing>
-    <p:tnLst>
-      <p:par>
-        <p:cTn id="1" dur="indefinite" restart="never" nodeType="tmRoot"/>
-      </p:par>
-    </p:tnLst>
-  </p:timing>
 </p:sldLayout>
 </file>
 
@@ -8873,18 +8627,17 @@
           </a:lstStyle>
           <a:p>
             <a:r>
-              <a:rPr lang="en-US" dirty="0" smtClean="0"/>
+              <a:rPr lang="en-US" dirty="0"/>
               <a:t>© Copyright 2000-</a:t>
             </a:r>
             <a:r>
-              <a:rPr lang="is-IS" dirty="0" smtClean="0"/>
+              <a:rPr lang="is-IS" dirty="0"/>
               <a:t>2017</a:t>
             </a:r>
             <a:r>
-              <a:rPr lang="en-US" dirty="0" smtClean="0"/>
+              <a:rPr lang="en-US" dirty="0"/>
               <a:t> TIBCO Software Inc.      </a:t>
             </a:r>
-            <a:endParaRPr lang="en-US" dirty="0"/>
           </a:p>
         </p:txBody>
       </p:sp>
@@ -8904,7 +8657,7 @@
           <a:lstStyle/>
           <a:p>
             <a:r>
-              <a:rPr lang="en-US" smtClean="0"/>
+              <a:rPr lang="en-US"/>
               <a:t>Click to edit Master title style</a:t>
             </a:r>
             <a:endParaRPr lang="en-US" dirty="0"/>
@@ -8969,13 +8722,6 @@
       </p:transition>
     </mc:Fallback>
   </mc:AlternateContent>
-  <p:timing>
-    <p:tnLst>
-      <p:par>
-        <p:cTn id="1" dur="indefinite" restart="never" nodeType="tmRoot"/>
-      </p:par>
-    </p:tnLst>
-  </p:timing>
 </p:sldLayout>
 </file>
 
@@ -9086,7 +8832,7 @@
               <a:buNone/>
             </a:pPr>
             <a:r>
-              <a:rPr lang="en-US" sz="2000" dirty="0" smtClean="0">
+              <a:rPr lang="en-US" sz="2000" dirty="0">
                 <a:solidFill>
                   <a:srgbClr val="FFFFFF"/>
                 </a:solidFill>
@@ -9095,13 +8841,6 @@
               </a:rPr>
               <a:t>The following information is confidential information of TIBCO Software Inc.  Use, duplication, transmission, or republication for any purpose without the prior written consent of TIBCO is expressly prohibited.</a:t>
             </a:r>
-            <a:endParaRPr lang="en-US" sz="2000" dirty="0">
-              <a:solidFill>
-                <a:srgbClr val="FFFFFF"/>
-              </a:solidFill>
-              <a:latin typeface="+mn-lt"/>
-              <a:cs typeface="Helvetica"/>
-            </a:endParaRPr>
           </a:p>
         </p:txBody>
       </p:sp>
@@ -9128,7 +8867,7 @@
           <a:lstStyle/>
           <a:p>
             <a:r>
-              <a:rPr lang="en-US" sz="2800" dirty="0" smtClean="0">
+              <a:rPr lang="en-US" sz="2800" dirty="0">
                 <a:solidFill>
                   <a:srgbClr val="FFFFFF"/>
                 </a:solidFill>
@@ -9136,12 +8875,6 @@
               </a:rPr>
               <a:t>CONFIDENTIALITY</a:t>
             </a:r>
-            <a:endParaRPr lang="en-US" sz="2800" dirty="0">
-              <a:solidFill>
-                <a:srgbClr val="FFFFFF"/>
-              </a:solidFill>
-              <a:latin typeface="+mj-lt"/>
-            </a:endParaRPr>
           </a:p>
         </p:txBody>
       </p:sp>
@@ -9179,18 +8912,17 @@
           </a:lstStyle>
           <a:p>
             <a:r>
-              <a:rPr lang="en-US" dirty="0" smtClean="0"/>
+              <a:rPr lang="en-US" dirty="0"/>
               <a:t>© Copyright 2000-</a:t>
             </a:r>
             <a:r>
-              <a:rPr lang="is-IS" dirty="0" smtClean="0"/>
+              <a:rPr lang="is-IS" dirty="0"/>
               <a:t>2017</a:t>
             </a:r>
             <a:r>
-              <a:rPr lang="en-US" dirty="0" smtClean="0"/>
+              <a:rPr lang="en-US" dirty="0"/>
               <a:t> TIBCO Software Inc.      </a:t>
             </a:r>
-            <a:endParaRPr lang="en-US" dirty="0"/>
           </a:p>
         </p:txBody>
       </p:sp>
@@ -9252,13 +8984,6 @@
       </p:transition>
     </mc:Fallback>
   </mc:AlternateContent>
-  <p:timing>
-    <p:tnLst>
-      <p:par>
-        <p:cTn id="1" dur="indefinite" restart="never" nodeType="tmRoot"/>
-      </p:par>
-    </p:tnLst>
-  </p:timing>
 </p:sldLayout>
 </file>
 
@@ -9367,7 +9092,7 @@
           <a:lstStyle/>
           <a:p>
             <a:r>
-              <a:rPr lang="en-US" sz="2800" dirty="0" smtClean="0">
+              <a:rPr lang="en-US" sz="2800" dirty="0">
                 <a:solidFill>
                   <a:srgbClr val="FFFFFF"/>
                 </a:solidFill>
@@ -9375,12 +9100,6 @@
               </a:rPr>
               <a:t>DISCLAIMER</a:t>
             </a:r>
-            <a:endParaRPr lang="en-US" sz="2800" dirty="0">
-              <a:solidFill>
-                <a:srgbClr val="FFFFFF"/>
-              </a:solidFill>
-              <a:latin typeface="+mj-lt"/>
-            </a:endParaRPr>
           </a:p>
         </p:txBody>
       </p:sp>
@@ -9409,7 +9128,7 @@
               <a:buNone/>
             </a:pPr>
             <a:r>
-              <a:rPr lang="en-US" sz="1400" dirty="0" smtClean="0">
+              <a:rPr lang="en-US" sz="1400" dirty="0">
                 <a:solidFill>
                   <a:srgbClr val="FFFFFF"/>
                 </a:solidFill>
@@ -9423,7 +9142,7 @@
             <a:pPr marL="0" indent="0" algn="l">
               <a:buNone/>
             </a:pPr>
-            <a:endParaRPr lang="en-US" sz="1400" dirty="0" smtClean="0">
+            <a:endParaRPr lang="en-US" sz="1400" dirty="0">
               <a:solidFill>
                 <a:srgbClr val="FFFFFF"/>
               </a:solidFill>
@@ -9436,7 +9155,7 @@
               <a:buNone/>
             </a:pPr>
             <a:r>
-              <a:rPr lang="en-US" sz="1400" dirty="0" smtClean="0">
+              <a:rPr lang="en-US" sz="1400" dirty="0">
                 <a:solidFill>
                   <a:srgbClr val="FFFFFF"/>
                 </a:solidFill>
@@ -9450,7 +9169,7 @@
             <a:pPr marL="0" indent="0" algn="l">
               <a:buNone/>
             </a:pPr>
-            <a:endParaRPr lang="en-US" sz="1400" dirty="0" smtClean="0">
+            <a:endParaRPr lang="en-US" sz="1400" dirty="0">
               <a:solidFill>
                 <a:srgbClr val="FFFFFF"/>
               </a:solidFill>
@@ -9463,7 +9182,7 @@
               <a:buNone/>
             </a:pPr>
             <a:r>
-              <a:rPr lang="en-US" sz="1400" dirty="0" smtClean="0">
+              <a:rPr lang="en-US" sz="1400" dirty="0">
                 <a:solidFill>
                   <a:srgbClr val="FFFFFF"/>
                 </a:solidFill>
@@ -9472,13 +9191,6 @@
               </a:rPr>
               <a:t>During the course of this presentation TIBCO or its representatives may make forward-looking statements regarding future events, TIBCO’s future results or our future financial performance.  These statements are based on management’s current expectations.  Although we believe that the expectations reflected in the forward-looking statements contained in this presentation are reasonable, these expectations or any of the forward-looking statements could prove to be incorrect and actual results or financial performance could differ materially from those stated herein. TIBCO does not undertake to update any forward-looking statement that may be made from time to time or on its behalf.</a:t>
             </a:r>
-            <a:endParaRPr lang="en-US" sz="1400" dirty="0">
-              <a:solidFill>
-                <a:srgbClr val="FFFFFF"/>
-              </a:solidFill>
-              <a:latin typeface="+mn-lt"/>
-              <a:cs typeface="Helvetica"/>
-            </a:endParaRPr>
           </a:p>
         </p:txBody>
       </p:sp>
@@ -9540,13 +9252,6 @@
       </p:transition>
     </mc:Fallback>
   </mc:AlternateContent>
-  <p:timing>
-    <p:tnLst>
-      <p:par>
-        <p:cTn id="1" dur="indefinite" restart="never" nodeType="tmRoot"/>
-      </p:par>
-    </p:tnLst>
-  </p:timing>
 </p:sldLayout>
 </file>
 
@@ -9688,7 +9393,7 @@
           <a:lstStyle/>
           <a:p>
             <a:r>
-              <a:rPr lang="en-US" smtClean="0"/>
+              <a:rPr lang="en-US"/>
               <a:t>Click to edit Master title style</a:t>
             </a:r>
             <a:endParaRPr lang="en-US" dirty="0"/>
@@ -9729,18 +9434,17 @@
           </a:lstStyle>
           <a:p>
             <a:r>
-              <a:rPr lang="en-US" dirty="0" smtClean="0"/>
+              <a:rPr lang="en-US" dirty="0"/>
               <a:t>© Copyright 2000-</a:t>
             </a:r>
             <a:r>
-              <a:rPr lang="is-IS" dirty="0" smtClean="0"/>
+              <a:rPr lang="is-IS" dirty="0"/>
               <a:t>2017</a:t>
             </a:r>
             <a:r>
-              <a:rPr lang="en-US" dirty="0" smtClean="0"/>
+              <a:rPr lang="en-US" dirty="0"/>
               <a:t> TIBCO Software Inc.      </a:t>
             </a:r>
-            <a:endParaRPr lang="en-US" dirty="0"/>
           </a:p>
         </p:txBody>
       </p:sp>
@@ -9771,35 +9475,35 @@
           <a:p>
             <a:pPr lvl="0"/>
             <a:r>
-              <a:rPr lang="en-US" smtClean="0"/>
+              <a:rPr lang="en-US"/>
               <a:t>Click to edit Master text styles</a:t>
             </a:r>
           </a:p>
           <a:p>
             <a:pPr lvl="1"/>
             <a:r>
-              <a:rPr lang="en-US" smtClean="0"/>
+              <a:rPr lang="en-US"/>
               <a:t>Second level</a:t>
             </a:r>
           </a:p>
           <a:p>
             <a:pPr lvl="2"/>
             <a:r>
-              <a:rPr lang="en-US" smtClean="0"/>
+              <a:rPr lang="en-US"/>
               <a:t>Third level</a:t>
             </a:r>
           </a:p>
           <a:p>
             <a:pPr lvl="3"/>
             <a:r>
-              <a:rPr lang="en-US" smtClean="0"/>
+              <a:rPr lang="en-US"/>
               <a:t>Fourth level</a:t>
             </a:r>
           </a:p>
           <a:p>
             <a:pPr lvl="4"/>
             <a:r>
-              <a:rPr lang="en-US" smtClean="0"/>
+              <a:rPr lang="en-US"/>
               <a:t>Fifth level</a:t>
             </a:r>
             <a:endParaRPr lang="en-US" dirty="0"/>
@@ -9882,7 +9586,7 @@
           <a:p>
             <a:fld id="{00304EB4-CF6A-424C-A418-10DCB6C4742F}" type="datetime1">
               <a:rPr lang="en-US" smtClean="0"/>
-              <a:t>12/14/17</a:t>
+              <a:t>8/26/2020</a:t>
             </a:fld>
             <a:endParaRPr lang="en-US"/>
           </a:p>
@@ -9921,13 +9625,6 @@
       </p:transition>
     </mc:Fallback>
   </mc:AlternateContent>
-  <p:timing>
-    <p:tnLst>
-      <p:par>
-        <p:cTn id="1" dur="indefinite" restart="never" nodeType="tmRoot"/>
-      </p:par>
-    </p:tnLst>
-  </p:timing>
   <p:hf sldNum="0" hdr="0" dt="0"/>
   <p:txStyles>
     <p:titleStyle>
@@ -10234,35 +9931,35 @@
           <a:p>
             <a:pPr lvl="0"/>
             <a:r>
-              <a:rPr lang="en-US" smtClean="0"/>
+              <a:rPr lang="en-US"/>
               <a:t>Click to edit Master text styles</a:t>
             </a:r>
           </a:p>
           <a:p>
             <a:pPr lvl="1"/>
             <a:r>
-              <a:rPr lang="en-US" smtClean="0"/>
+              <a:rPr lang="en-US"/>
               <a:t>Second level</a:t>
             </a:r>
           </a:p>
           <a:p>
             <a:pPr lvl="2"/>
             <a:r>
-              <a:rPr lang="en-US" smtClean="0"/>
+              <a:rPr lang="en-US"/>
               <a:t>Third level</a:t>
             </a:r>
           </a:p>
           <a:p>
             <a:pPr lvl="3"/>
             <a:r>
-              <a:rPr lang="en-US" smtClean="0"/>
+              <a:rPr lang="en-US"/>
               <a:t>Fourth level</a:t>
             </a:r>
           </a:p>
           <a:p>
             <a:pPr lvl="4"/>
             <a:r>
-              <a:rPr lang="en-US" smtClean="0"/>
+              <a:rPr lang="en-US"/>
               <a:t>Fifth level</a:t>
             </a:r>
             <a:endParaRPr lang="en-US" dirty="0"/>
@@ -10291,13 +9988,6 @@
     <p:sldLayoutId id="2147483761" r:id="rId11"/>
     <p:sldLayoutId id="2147483766" r:id="rId12"/>
   </p:sldLayoutIdLst>
-  <p:timing>
-    <p:tnLst>
-      <p:par>
-        <p:cTn id="1" dur="indefinite" restart="never" nodeType="tmRoot"/>
-      </p:par>
-    </p:tnLst>
-  </p:timing>
   <p:hf sldNum="0" hdr="0" dt="0"/>
   <p:txStyles>
     <p:titleStyle>
@@ -10595,23 +10285,22 @@
           <a:lstStyle/>
           <a:p>
             <a:r>
-              <a:rPr lang="en-US" sz="2200" dirty="0" smtClean="0"/>
+              <a:rPr lang="en-US" sz="2200" dirty="0"/>
               <a:t>Data Virtualization</a:t>
             </a:r>
           </a:p>
           <a:p>
-            <a:endParaRPr lang="en-US" sz="2200" dirty="0" smtClean="0"/>
+            <a:endParaRPr lang="en-US" sz="2200" dirty="0"/>
           </a:p>
           <a:p>
             <a:r>
-              <a:rPr lang="en-US" sz="2200" dirty="0" err="1" smtClean="0"/>
+              <a:rPr lang="en-US" sz="2200" dirty="0" err="1"/>
               <a:t>PDTool</a:t>
             </a:r>
             <a:r>
-              <a:rPr lang="en-US" sz="2200" dirty="0" smtClean="0"/>
+              <a:rPr lang="en-US" sz="2200" dirty="0"/>
               <a:t> Training Template</a:t>
             </a:r>
-            <a:endParaRPr lang="en-US" sz="2200" dirty="0"/>
           </a:p>
         </p:txBody>
       </p:sp>
@@ -10641,16 +10330,15 @@
           <a:lstStyle/>
           <a:p>
             <a:r>
-              <a:rPr lang="en-US" dirty="0" smtClean="0"/>
+              <a:rPr lang="en-US" dirty="0"/>
               <a:t>Presenter</a:t>
             </a:r>
           </a:p>
           <a:p>
             <a:r>
-              <a:rPr lang="en-US" dirty="0" smtClean="0"/>
+              <a:rPr lang="en-US" dirty="0"/>
               <a:t>Title</a:t>
             </a:r>
-            <a:endParaRPr lang="en-US" dirty="0"/>
           </a:p>
         </p:txBody>
       </p:sp>
@@ -10670,7 +10358,7 @@
           <a:lstStyle/>
           <a:p>
             <a:r>
-              <a:rPr lang="en-US" dirty="0" smtClean="0">
+              <a:rPr lang="en-US" dirty="0">
                 <a:solidFill>
                   <a:srgbClr val="DCDDDE"/>
                 </a:solidFill>
@@ -10720,13 +10408,6 @@
   <p:clrMapOvr>
     <a:masterClrMapping/>
   </p:clrMapOvr>
-  <p:timing>
-    <p:tnLst>
-      <p:par>
-        <p:cTn id="1" dur="indefinite" restart="never" nodeType="tmRoot"/>
-      </p:par>
-    </p:tnLst>
-  </p:timing>
 </p:sld>
 </file>
 
@@ -10763,10 +10444,9 @@
           <a:lstStyle/>
           <a:p>
             <a:r>
-              <a:rPr lang="en-US" dirty="0" smtClean="0"/>
+              <a:rPr lang="en-US" dirty="0"/>
               <a:t>Agenda</a:t>
             </a:r>
-            <a:endParaRPr lang="en-US" dirty="0"/>
           </a:p>
         </p:txBody>
       </p:sp>
@@ -10811,18 +10491,17 @@
           <a:lstStyle/>
           <a:p>
             <a:r>
-              <a:rPr lang="en-US" dirty="0" smtClean="0"/>
+              <a:rPr lang="en-US" dirty="0"/>
               <a:t>© Copyright 2000-</a:t>
             </a:r>
             <a:r>
-              <a:rPr lang="is-IS" dirty="0" smtClean="0"/>
+              <a:rPr lang="is-IS" dirty="0"/>
               <a:t>2017</a:t>
             </a:r>
             <a:r>
-              <a:rPr lang="en-US" dirty="0" smtClean="0"/>
+              <a:rPr lang="en-US" dirty="0"/>
               <a:t> TIBCO Software Inc.      </a:t>
             </a:r>
-            <a:endParaRPr lang="en-US" dirty="0"/>
           </a:p>
         </p:txBody>
       </p:sp>
@@ -10848,13 +10527,6 @@
       </p:transition>
     </mc:Fallback>
   </mc:AlternateContent>
-  <p:timing>
-    <p:tnLst>
-      <p:par>
-        <p:cTn id="1" dur="indefinite" restart="never" nodeType="tmRoot"/>
-      </p:par>
-    </p:tnLst>
-  </p:timing>
 </p:sld>
 </file>
 
@@ -10897,18 +10569,13 @@
           <a:p>
             <a:pPr algn="ctr"/>
             <a:r>
-              <a:rPr lang="en-US" sz="3600" dirty="0" smtClean="0">
+              <a:rPr lang="en-US" sz="3600" dirty="0">
                 <a:solidFill>
                   <a:srgbClr val="3D8DFF"/>
                 </a:solidFill>
               </a:rPr>
               <a:t>Topic 1</a:t>
             </a:r>
-            <a:endParaRPr lang="en-US" sz="3600" dirty="0">
-              <a:solidFill>
-                <a:srgbClr val="3D8DFF"/>
-              </a:solidFill>
-            </a:endParaRPr>
           </a:p>
         </p:txBody>
       </p:sp>
@@ -11029,14 +10696,14 @@
           <a:p>
             <a:pPr algn="ctr"/>
             <a:r>
-              <a:rPr lang="en-US" sz="800" smtClean="0">
+              <a:rPr lang="en-US" sz="800">
                 <a:solidFill>
                   <a:srgbClr val="DCDDDE"/>
                 </a:solidFill>
               </a:rPr>
               <a:t>© Copyright 2000-2017 TIBCO Software Inc.</a:t>
             </a:r>
-            <a:endParaRPr lang="en-US" sz="800" dirty="0" smtClean="0">
+            <a:endParaRPr lang="en-US" sz="800" dirty="0">
               <a:solidFill>
                 <a:srgbClr val="DCDDDE"/>
               </a:solidFill>
@@ -11057,13 +10724,6 @@
   <p:transition>
     <p:wipe dir="r"/>
   </p:transition>
-  <p:timing>
-    <p:tnLst>
-      <p:par>
-        <p:cTn id="1" dur="indefinite" restart="never" nodeType="tmRoot"/>
-      </p:par>
-    </p:tnLst>
-  </p:timing>
 </p:sld>
 </file>
 
@@ -11106,41 +10766,28 @@
           <a:p>
             <a:pPr eaLnBrk="1" hangingPunct="1"/>
             <a:r>
-              <a:rPr lang="en-US" dirty="0" smtClean="0">
+              <a:rPr lang="en-US" dirty="0">
                 <a:solidFill>
                   <a:schemeClr val="bg1"/>
                 </a:solidFill>
               </a:rPr>
               <a:t>Topic</a:t>
             </a:r>
-            <a:r>
-              <a:rPr lang="en-US" dirty="0" smtClean="0">
-                <a:solidFill>
-                  <a:schemeClr val="bg1"/>
-                </a:solidFill>
-              </a:rPr>
-              <a:t/>
-            </a:r>
             <a:br>
-              <a:rPr lang="en-US" dirty="0" smtClean="0">
+              <a:rPr lang="en-US" dirty="0">
                 <a:solidFill>
                   <a:schemeClr val="bg1"/>
                 </a:solidFill>
               </a:rPr>
             </a:br>
             <a:r>
-              <a:rPr lang="en-US" sz="1275" dirty="0" smtClean="0">
+              <a:rPr lang="en-US" sz="1275" dirty="0">
                 <a:solidFill>
                   <a:schemeClr val="bg1"/>
                 </a:solidFill>
               </a:rPr>
               <a:t>Sub-Topic</a:t>
             </a:r>
-            <a:endParaRPr lang="en-US" sz="1275" dirty="0">
-              <a:solidFill>
-                <a:schemeClr val="bg1"/>
-              </a:solidFill>
-            </a:endParaRPr>
           </a:p>
         </p:txBody>
       </p:sp>
@@ -11174,7 +10821,7 @@
               <a:buChar char="•"/>
             </a:pPr>
             <a:r>
-              <a:rPr lang="en-US" sz="2100" dirty="0" smtClean="0">
+              <a:rPr lang="en-US" sz="2100" dirty="0">
                 <a:solidFill>
                   <a:srgbClr val="061C23"/>
                 </a:solidFill>
@@ -11182,7 +10829,7 @@
               <a:t>Text 1 </a:t>
             </a:r>
             <a:r>
-              <a:rPr lang="mr-IN" sz="2100" dirty="0" smtClean="0">
+              <a:rPr lang="mr-IN" sz="2100" dirty="0">
                 <a:solidFill>
                   <a:srgbClr val="061C23"/>
                 </a:solidFill>
@@ -11190,7 +10837,7 @@
               <a:t>–</a:t>
             </a:r>
             <a:r>
-              <a:rPr lang="en-US" sz="2100" dirty="0" smtClean="0">
+              <a:rPr lang="en-US" sz="2100" dirty="0">
                 <a:solidFill>
                   <a:srgbClr val="061C23"/>
                 </a:solidFill>
@@ -11212,18 +10859,13 @@
               <a:buChar char="o"/>
             </a:pPr>
             <a:r>
-              <a:rPr lang="en-US" sz="1500" dirty="0" smtClean="0">
+              <a:rPr lang="en-US" sz="1500" dirty="0">
                 <a:solidFill>
                   <a:srgbClr val="061C23"/>
                 </a:solidFill>
               </a:rPr>
               <a:t>Bullet 1</a:t>
             </a:r>
-            <a:endParaRPr lang="en-US" sz="1500" dirty="0">
-              <a:solidFill>
-                <a:srgbClr val="061C23"/>
-              </a:solidFill>
-            </a:endParaRPr>
           </a:p>
           <a:p>
             <a:pPr marL="685800" lvl="1" indent="-342900">
@@ -11234,18 +10876,13 @@
               <a:buChar char="o"/>
             </a:pPr>
             <a:r>
-              <a:rPr lang="en-US" sz="1500" dirty="0" smtClean="0">
+              <a:rPr lang="en-US" sz="1500" dirty="0">
                 <a:solidFill>
                   <a:srgbClr val="061C23"/>
                 </a:solidFill>
               </a:rPr>
               <a:t>Bullet 2.</a:t>
             </a:r>
-            <a:endParaRPr lang="en-US" sz="1500" dirty="0">
-              <a:solidFill>
-                <a:srgbClr val="061C23"/>
-              </a:solidFill>
-            </a:endParaRPr>
           </a:p>
           <a:p>
             <a:pPr>
@@ -11256,28 +10893,12 @@
               <a:buChar char="•"/>
             </a:pPr>
             <a:r>
-              <a:rPr lang="en-US" sz="2100" dirty="0" smtClean="0">
-                <a:solidFill>
-                  <a:srgbClr val="061C23"/>
-                </a:solidFill>
-              </a:rPr>
-              <a:t>Text 2 </a:t>
-            </a:r>
-            <a:r>
               <a:rPr lang="en-US" sz="2100" dirty="0">
                 <a:solidFill>
                   <a:srgbClr val="061C23"/>
                 </a:solidFill>
               </a:rPr>
-              <a:t>– </a:t>
-            </a:r>
-            <a:r>
-              <a:rPr lang="en-US" sz="2100" dirty="0" smtClean="0">
-                <a:solidFill>
-                  <a:srgbClr val="061C23"/>
-                </a:solidFill>
-              </a:rPr>
-              <a:t>x</a:t>
+              <a:t>Text 2 – x</a:t>
             </a:r>
             <a:endParaRPr lang="en-US" dirty="0">
               <a:solidFill>
@@ -11294,18 +10915,13 @@
               <a:buChar char="o"/>
             </a:pPr>
             <a:r>
-              <a:rPr lang="en-US" sz="1500" dirty="0" smtClean="0">
+              <a:rPr lang="en-US" sz="1500" dirty="0">
                 <a:solidFill>
                   <a:srgbClr val="061C23"/>
                 </a:solidFill>
               </a:rPr>
               <a:t>Bullet 1.</a:t>
             </a:r>
-            <a:endParaRPr lang="en-US" sz="1500" dirty="0">
-              <a:solidFill>
-                <a:srgbClr val="061C23"/>
-              </a:solidFill>
-            </a:endParaRPr>
           </a:p>
           <a:p>
             <a:pPr>
@@ -11316,34 +10932,21 @@
               <a:buChar char="•"/>
             </a:pPr>
             <a:r>
-              <a:rPr lang="en-US" sz="2100" dirty="0" smtClean="0">
-                <a:solidFill>
-                  <a:srgbClr val="061C23"/>
-                </a:solidFill>
-              </a:rPr>
-              <a:t>Text 3 </a:t>
-            </a:r>
-            <a:r>
               <a:rPr lang="en-US" sz="2100" dirty="0">
                 <a:solidFill>
                   <a:srgbClr val="061C23"/>
                 </a:solidFill>
               </a:rPr>
-              <a:t>– </a:t>
+              <a:t>Text 3 – </a:t>
             </a:r>
             <a:r>
-              <a:rPr lang="en-US" dirty="0" smtClean="0">
+              <a:rPr lang="en-US" dirty="0">
                 <a:solidFill>
                   <a:srgbClr val="061C23"/>
                 </a:solidFill>
               </a:rPr>
               <a:t>x</a:t>
             </a:r>
-            <a:endParaRPr lang="en-US" dirty="0">
-              <a:solidFill>
-                <a:srgbClr val="061C23"/>
-              </a:solidFill>
-            </a:endParaRPr>
           </a:p>
           <a:p>
             <a:pPr lvl="2" indent="-342900">
@@ -11354,18 +10957,13 @@
               <a:buChar char="o"/>
             </a:pPr>
             <a:r>
-              <a:rPr lang="en-US" sz="1500" dirty="0" smtClean="0">
+              <a:rPr lang="en-US" sz="1500" dirty="0">
                 <a:solidFill>
                   <a:srgbClr val="061C23"/>
                 </a:solidFill>
               </a:rPr>
               <a:t>Bullet 1.</a:t>
             </a:r>
-            <a:endParaRPr lang="en-US" sz="1500" dirty="0">
-              <a:solidFill>
-                <a:srgbClr val="061C23"/>
-              </a:solidFill>
-            </a:endParaRPr>
           </a:p>
         </p:txBody>
       </p:sp>
@@ -11486,7 +11084,7 @@
           <a:p>
             <a:pPr algn="ctr"/>
             <a:r>
-              <a:rPr lang="en-US" sz="800" dirty="0" smtClean="0">
+              <a:rPr lang="en-US" sz="800" dirty="0">
                 <a:solidFill>
                   <a:schemeClr val="bg1">
                     <a:lumMod val="65000"/>
@@ -11496,7 +11094,7 @@
               <a:t>© Copyright 2000-</a:t>
             </a:r>
             <a:r>
-              <a:rPr lang="is-IS" sz="800" dirty="0" smtClean="0">
+              <a:rPr lang="is-IS" sz="800" dirty="0">
                 <a:solidFill>
                   <a:schemeClr val="bg1">
                     <a:lumMod val="65000"/>
@@ -11506,7 +11104,7 @@
               <a:t>2017</a:t>
             </a:r>
             <a:r>
-              <a:rPr lang="en-US" sz="800" dirty="0" smtClean="0">
+              <a:rPr lang="en-US" sz="800" dirty="0">
                 <a:solidFill>
                   <a:schemeClr val="bg1">
                     <a:lumMod val="65000"/>
@@ -11515,13 +11113,6 @@
               </a:rPr>
               <a:t> TIBCO Software Inc.      </a:t>
             </a:r>
-            <a:endParaRPr lang="en-US" sz="800" dirty="0">
-              <a:solidFill>
-                <a:schemeClr val="bg1">
-                  <a:lumMod val="65000"/>
-                </a:schemeClr>
-              </a:solidFill>
-            </a:endParaRPr>
           </a:p>
         </p:txBody>
       </p:sp>
@@ -11535,13 +11126,6 @@
   <p:clrMapOvr>
     <a:masterClrMapping/>
   </p:clrMapOvr>
-  <p:timing>
-    <p:tnLst>
-      <p:par>
-        <p:cTn id="1" dur="indefinite" restart="never" nodeType="tmRoot"/>
-      </p:par>
-    </p:tnLst>
-  </p:timing>
 </p:sld>
 </file>
 
@@ -11679,14 +11263,14 @@
           <a:p>
             <a:pPr algn="ctr"/>
             <a:r>
-              <a:rPr lang="en-US" sz="800" smtClean="0">
+              <a:rPr lang="en-US" sz="800">
                 <a:solidFill>
                   <a:srgbClr val="DCDDDE"/>
                 </a:solidFill>
               </a:rPr>
               <a:t>© Copyright 2000-2017 TIBCO Software Inc.</a:t>
             </a:r>
-            <a:endParaRPr lang="en-US" sz="800" dirty="0" smtClean="0">
+            <a:endParaRPr lang="en-US" sz="800" dirty="0">
               <a:solidFill>
                 <a:srgbClr val="DCDDDE"/>
               </a:solidFill>
@@ -11800,7 +11384,13 @@
             <a:tbl>
               <a:tblPr firstRow="1" bandRow="1"/>
               <a:tblGrid>
-                <a:gridCol w="5554980"/>
+                <a:gridCol w="5554980">
+                  <a:extLst>
+                    <a:ext uri="{9D8B030D-6E8A-4147-A177-3AD203B41FA5}">
+                      <a16:colId xmlns:a16="http://schemas.microsoft.com/office/drawing/2014/main" val="20000"/>
+                    </a:ext>
+                  </a:extLst>
+                </a:gridCol>
               </a:tblGrid>
               <a:tr h="358140">
                 <a:tc>
@@ -11816,7 +11406,7 @@
                         <a:buChar char="§"/>
                       </a:pPr>
                       <a:r>
-                        <a:rPr lang="en-US" sz="800" dirty="0" smtClean="0">
+                        <a:rPr lang="en-US" sz="800" dirty="0">
                           <a:solidFill>
                             <a:schemeClr val="bg1"/>
                           </a:solidFill>
@@ -11857,6 +11447,11 @@
                     </a:solidFill>
                   </a:tcPr>
                 </a:tc>
+                <a:extLst>
+                  <a:ext uri="{0D108BD9-81ED-4DB2-BD59-A6C34878D82A}">
+                    <a16:rowId xmlns:a16="http://schemas.microsoft.com/office/drawing/2014/main" val="10000"/>
+                  </a:ext>
+                </a:extLst>
               </a:tr>
               <a:tr h="358140">
                 <a:tc>
@@ -11872,7 +11467,7 @@
                         <a:buChar char="§"/>
                       </a:pPr>
                       <a:r>
-                        <a:rPr lang="en-US" sz="1400" kern="1200" dirty="0" smtClean="0">
+                        <a:rPr lang="en-US" sz="1400" kern="1200" dirty="0">
                           <a:solidFill>
                             <a:schemeClr val="bg1"/>
                           </a:solidFill>
@@ -11911,6 +11506,11 @@
                     </a:lnBlToTr>
                   </a:tcPr>
                 </a:tc>
+                <a:extLst>
+                  <a:ext uri="{0D108BD9-81ED-4DB2-BD59-A6C34878D82A}">
+                    <a16:rowId xmlns:a16="http://schemas.microsoft.com/office/drawing/2014/main" val="10001"/>
+                  </a:ext>
+                </a:extLst>
               </a:tr>
               <a:tr h="358140">
                 <a:tc>
@@ -11926,7 +11526,7 @@
                         <a:buChar char="§"/>
                       </a:pPr>
                       <a:r>
-                        <a:rPr lang="en-US" sz="1400" kern="1200" dirty="0" smtClean="0">
+                        <a:rPr lang="en-US" sz="1400" kern="1200" dirty="0">
                           <a:solidFill>
                             <a:schemeClr val="bg1"/>
                           </a:solidFill>
@@ -11970,6 +11570,11 @@
                     </a:solidFill>
                   </a:tcPr>
                 </a:tc>
+                <a:extLst>
+                  <a:ext uri="{0D108BD9-81ED-4DB2-BD59-A6C34878D82A}">
+                    <a16:rowId xmlns:a16="http://schemas.microsoft.com/office/drawing/2014/main" val="10002"/>
+                  </a:ext>
+                </a:extLst>
               </a:tr>
               <a:tr h="358140">
                 <a:tc>
@@ -11985,7 +11590,7 @@
                         <a:buChar char="§"/>
                       </a:pPr>
                       <a:r>
-                        <a:rPr lang="en-US" sz="1400" kern="1200" dirty="0" smtClean="0">
+                        <a:rPr lang="en-US" sz="1400" kern="1200" dirty="0">
                           <a:solidFill>
                             <a:schemeClr val="bg1"/>
                           </a:solidFill>
@@ -12024,6 +11629,11 @@
                     </a:lnBlToTr>
                   </a:tcPr>
                 </a:tc>
+                <a:extLst>
+                  <a:ext uri="{0D108BD9-81ED-4DB2-BD59-A6C34878D82A}">
+                    <a16:rowId xmlns:a16="http://schemas.microsoft.com/office/drawing/2014/main" val="10003"/>
+                  </a:ext>
+                </a:extLst>
               </a:tr>
               <a:tr h="358140">
                 <a:tc>
@@ -12039,7 +11649,7 @@
                         <a:buChar char="§"/>
                       </a:pPr>
                       <a:r>
-                        <a:rPr lang="en-US" sz="1400" kern="1200" dirty="0" smtClean="0">
+                        <a:rPr lang="en-US" sz="1400" kern="1200" dirty="0">
                           <a:solidFill>
                             <a:schemeClr val="bg1"/>
                           </a:solidFill>
@@ -12083,6 +11693,11 @@
                     </a:solidFill>
                   </a:tcPr>
                 </a:tc>
+                <a:extLst>
+                  <a:ext uri="{0D108BD9-81ED-4DB2-BD59-A6C34878D82A}">
+                    <a16:rowId xmlns:a16="http://schemas.microsoft.com/office/drawing/2014/main" val="10004"/>
+                  </a:ext>
+                </a:extLst>
               </a:tr>
               <a:tr h="358140">
                 <a:tc>
@@ -12098,7 +11713,7 @@
                         <a:buChar char="§"/>
                       </a:pPr>
                       <a:r>
-                        <a:rPr lang="en-US" sz="1400" kern="1200" dirty="0" smtClean="0">
+                        <a:rPr lang="en-US" sz="1400" kern="1200" dirty="0">
                           <a:solidFill>
                             <a:schemeClr val="bg1"/>
                           </a:solidFill>
@@ -12137,6 +11752,11 @@
                     </a:lnBlToTr>
                   </a:tcPr>
                 </a:tc>
+                <a:extLst>
+                  <a:ext uri="{0D108BD9-81ED-4DB2-BD59-A6C34878D82A}">
+                    <a16:rowId xmlns:a16="http://schemas.microsoft.com/office/drawing/2014/main" val="10005"/>
+                  </a:ext>
+                </a:extLst>
               </a:tr>
               <a:tr h="358140">
                 <a:tc>
@@ -12152,7 +11772,7 @@
                         <a:buChar char="§"/>
                       </a:pPr>
                       <a:r>
-                        <a:rPr lang="en-US" sz="1400" kern="1200" dirty="0" smtClean="0">
+                        <a:rPr lang="en-US" sz="1400" kern="1200" dirty="0">
                           <a:solidFill>
                             <a:schemeClr val="bg1"/>
                           </a:solidFill>
@@ -12196,6 +11816,11 @@
                     </a:solidFill>
                   </a:tcPr>
                 </a:tc>
+                <a:extLst>
+                  <a:ext uri="{0D108BD9-81ED-4DB2-BD59-A6C34878D82A}">
+                    <a16:rowId xmlns:a16="http://schemas.microsoft.com/office/drawing/2014/main" val="10006"/>
+                  </a:ext>
+                </a:extLst>
               </a:tr>
               <a:tr h="358140">
                 <a:tc>
@@ -12211,7 +11836,7 @@
                         <a:buChar char="§"/>
                       </a:pPr>
                       <a:r>
-                        <a:rPr lang="en-US" sz="1400" kern="1200" dirty="0" smtClean="0">
+                        <a:rPr lang="en-US" sz="1400" kern="1200" dirty="0">
                           <a:solidFill>
                             <a:schemeClr val="bg1"/>
                           </a:solidFill>
@@ -12250,6 +11875,11 @@
                     </a:lnBlToTr>
                   </a:tcPr>
                 </a:tc>
+                <a:extLst>
+                  <a:ext uri="{0D108BD9-81ED-4DB2-BD59-A6C34878D82A}">
+                    <a16:rowId xmlns:a16="http://schemas.microsoft.com/office/drawing/2014/main" val="10007"/>
+                  </a:ext>
+                </a:extLst>
               </a:tr>
               <a:tr h="358140">
                 <a:tc>
@@ -12265,7 +11895,7 @@
                         <a:buChar char="§"/>
                       </a:pPr>
                       <a:r>
-                        <a:rPr lang="en-US" sz="1400" kern="1200" dirty="0" smtClean="0">
+                        <a:rPr lang="en-US" sz="1400" kern="1200" dirty="0">
                           <a:solidFill>
                             <a:schemeClr val="bg1"/>
                           </a:solidFill>
@@ -12309,6 +11939,11 @@
                     </a:solidFill>
                   </a:tcPr>
                 </a:tc>
+                <a:extLst>
+                  <a:ext uri="{0D108BD9-81ED-4DB2-BD59-A6C34878D82A}">
+                    <a16:rowId xmlns:a16="http://schemas.microsoft.com/office/drawing/2014/main" val="10008"/>
+                  </a:ext>
+                </a:extLst>
               </a:tr>
             </a:tbl>
           </a:graphicData>
@@ -12336,7 +11971,7 @@
           <a:p>
             <a:pPr eaLnBrk="1" hangingPunct="1"/>
             <a:r>
-              <a:rPr lang="en-US" dirty="0" smtClean="0">
+              <a:rPr lang="en-US" dirty="0">
                 <a:solidFill>
                   <a:schemeClr val="bg1"/>
                 </a:solidFill>
@@ -12364,13 +11999,6 @@
   <p:transition>
     <p:wipe dir="r"/>
   </p:transition>
-  <p:timing>
-    <p:tnLst>
-      <p:par>
-        <p:cTn id="1" dur="indefinite" restart="never" nodeType="tmRoot"/>
-      </p:par>
-    </p:tnLst>
-  </p:timing>
 </p:sld>
 </file>
 
@@ -12449,10 +12077,6 @@
               </a:rPr>
               <a:t>Relational</a:t>
             </a:r>
-            <a:endParaRPr lang="en-US" sz="750" dirty="0">
-              <a:latin typeface="Arial" pitchFamily="34" charset="0"/>
-              <a:cs typeface="Arial" pitchFamily="34" charset="0"/>
-            </a:endParaRPr>
           </a:p>
         </p:txBody>
       </p:sp>
@@ -12486,10 +12110,6 @@
               </a:rPr>
               <a:t>Data Warehouse</a:t>
             </a:r>
-            <a:endParaRPr lang="en-US" sz="750" dirty="0">
-              <a:latin typeface="Arial" pitchFamily="34" charset="0"/>
-              <a:cs typeface="Arial" pitchFamily="34" charset="0"/>
-            </a:endParaRPr>
           </a:p>
         </p:txBody>
       </p:sp>
@@ -12523,10 +12143,6 @@
               </a:rPr>
               <a:t>Packaged App</a:t>
             </a:r>
-            <a:endParaRPr lang="en-US" sz="750" dirty="0">
-              <a:latin typeface="Arial" pitchFamily="34" charset="0"/>
-              <a:cs typeface="Arial" pitchFamily="34" charset="0"/>
-            </a:endParaRPr>
           </a:p>
         </p:txBody>
       </p:sp>
@@ -12560,10 +12176,6 @@
               </a:rPr>
               <a:t>Big Data</a:t>
             </a:r>
-            <a:endParaRPr lang="en-US" sz="750" dirty="0">
-              <a:latin typeface="Arial" pitchFamily="34" charset="0"/>
-              <a:cs typeface="Arial" pitchFamily="34" charset="0"/>
-            </a:endParaRPr>
           </a:p>
         </p:txBody>
       </p:sp>
@@ -12597,10 +12209,6 @@
               </a:rPr>
               <a:t>Hierarchal</a:t>
             </a:r>
-            <a:endParaRPr lang="en-US" sz="750" dirty="0">
-              <a:latin typeface="Arial" pitchFamily="34" charset="0"/>
-              <a:cs typeface="Arial" pitchFamily="34" charset="0"/>
-            </a:endParaRPr>
           </a:p>
         </p:txBody>
       </p:sp>
@@ -12634,10 +12242,6 @@
               </a:rPr>
               <a:t>HTML</a:t>
             </a:r>
-            <a:endParaRPr lang="en-US" sz="750" dirty="0">
-              <a:latin typeface="Arial" pitchFamily="34" charset="0"/>
-              <a:cs typeface="Arial" pitchFamily="34" charset="0"/>
-            </a:endParaRPr>
           </a:p>
         </p:txBody>
       </p:sp>
@@ -12671,10 +12275,6 @@
               </a:rPr>
               <a:t>Web Services</a:t>
             </a:r>
-            <a:endParaRPr lang="en-US" sz="750" dirty="0">
-              <a:latin typeface="Arial" pitchFamily="34" charset="0"/>
-              <a:cs typeface="Arial" pitchFamily="34" charset="0"/>
-            </a:endParaRPr>
           </a:p>
         </p:txBody>
       </p:sp>
@@ -12708,10 +12308,6 @@
               </a:rPr>
               <a:t>Word</a:t>
             </a:r>
-            <a:endParaRPr lang="en-US" sz="750" dirty="0">
-              <a:latin typeface="Arial" pitchFamily="34" charset="0"/>
-              <a:cs typeface="Arial" pitchFamily="34" charset="0"/>
-            </a:endParaRPr>
           </a:p>
         </p:txBody>
       </p:sp>
@@ -12745,10 +12341,6 @@
               </a:rPr>
               <a:t>Excel</a:t>
             </a:r>
-            <a:endParaRPr lang="en-US" sz="750" dirty="0">
-              <a:latin typeface="Arial" pitchFamily="34" charset="0"/>
-              <a:cs typeface="Arial" pitchFamily="34" charset="0"/>
-            </a:endParaRPr>
           </a:p>
         </p:txBody>
       </p:sp>
@@ -12782,10 +12374,6 @@
               </a:rPr>
               <a:t>HTML</a:t>
             </a:r>
-            <a:endParaRPr lang="en-US" sz="750" dirty="0">
-              <a:latin typeface="Arial" pitchFamily="34" charset="0"/>
-              <a:cs typeface="Arial" pitchFamily="34" charset="0"/>
-            </a:endParaRPr>
           </a:p>
         </p:txBody>
       </p:sp>
@@ -12819,10 +12407,6 @@
               </a:rPr>
               <a:t>XML</a:t>
             </a:r>
-            <a:endParaRPr lang="en-US" sz="750" dirty="0">
-              <a:latin typeface="Arial" pitchFamily="34" charset="0"/>
-              <a:cs typeface="Arial" pitchFamily="34" charset="0"/>
-            </a:endParaRPr>
           </a:p>
         </p:txBody>
       </p:sp>
@@ -12856,10 +12440,6 @@
               </a:rPr>
               <a:t>File</a:t>
             </a:r>
-            <a:endParaRPr lang="en-US" sz="750" dirty="0">
-              <a:latin typeface="Arial" pitchFamily="34" charset="0"/>
-              <a:cs typeface="Arial" pitchFamily="34" charset="0"/>
-            </a:endParaRPr>
           </a:p>
         </p:txBody>
       </p:sp>
@@ -12893,10 +12473,6 @@
               </a:rPr>
               <a:t>Flat File</a:t>
             </a:r>
-            <a:endParaRPr lang="en-US" sz="750" dirty="0">
-              <a:latin typeface="Arial" pitchFamily="34" charset="0"/>
-              <a:cs typeface="Arial" pitchFamily="34" charset="0"/>
-            </a:endParaRPr>
           </a:p>
         </p:txBody>
       </p:sp>
@@ -12930,10 +12506,6 @@
               </a:rPr>
               <a:t>Tablet</a:t>
             </a:r>
-            <a:endParaRPr lang="en-US" sz="750" dirty="0">
-              <a:latin typeface="Arial" pitchFamily="34" charset="0"/>
-              <a:cs typeface="Arial" pitchFamily="34" charset="0"/>
-            </a:endParaRPr>
           </a:p>
         </p:txBody>
       </p:sp>
@@ -12967,10 +12539,6 @@
               </a:rPr>
               <a:t>Smart Phone</a:t>
             </a:r>
-            <a:endParaRPr lang="en-US" sz="750" dirty="0">
-              <a:latin typeface="Arial" pitchFamily="34" charset="0"/>
-              <a:cs typeface="Arial" pitchFamily="34" charset="0"/>
-            </a:endParaRPr>
           </a:p>
         </p:txBody>
       </p:sp>
@@ -13394,10 +12962,6 @@
               </a:rPr>
               <a:t>BI Tools</a:t>
             </a:r>
-            <a:endParaRPr lang="en-US" sz="750" dirty="0">
-              <a:latin typeface="Arial" pitchFamily="34" charset="0"/>
-              <a:cs typeface="Arial" pitchFamily="34" charset="0"/>
-            </a:endParaRPr>
           </a:p>
         </p:txBody>
       </p:sp>
@@ -13431,10 +12995,6 @@
               </a:rPr>
               <a:t>Excel</a:t>
             </a:r>
-            <a:endParaRPr lang="en-US" sz="750" dirty="0">
-              <a:latin typeface="Arial" pitchFamily="34" charset="0"/>
-              <a:cs typeface="Arial" pitchFamily="34" charset="0"/>
-            </a:endParaRPr>
           </a:p>
         </p:txBody>
       </p:sp>
@@ -13468,10 +13028,6 @@
               </a:rPr>
               <a:t>Web Portal</a:t>
             </a:r>
-            <a:endParaRPr lang="en-US" sz="750" dirty="0">
-              <a:latin typeface="Arial" pitchFamily="34" charset="0"/>
-              <a:cs typeface="Arial" pitchFamily="34" charset="0"/>
-            </a:endParaRPr>
           </a:p>
         </p:txBody>
       </p:sp>
@@ -13505,10 +13061,6 @@
               </a:rPr>
               <a:t>Enterprise Search</a:t>
             </a:r>
-            <a:endParaRPr lang="en-US" sz="750" dirty="0">
-              <a:latin typeface="Arial" pitchFamily="34" charset="0"/>
-              <a:cs typeface="Arial" pitchFamily="34" charset="0"/>
-            </a:endParaRPr>
           </a:p>
         </p:txBody>
       </p:sp>
@@ -13542,10 +13094,6 @@
               </a:rPr>
               <a:t>Relational Views</a:t>
             </a:r>
-            <a:endParaRPr lang="en-US" sz="750" dirty="0">
-              <a:latin typeface="Arial" pitchFamily="34" charset="0"/>
-              <a:cs typeface="Arial" pitchFamily="34" charset="0"/>
-            </a:endParaRPr>
           </a:p>
         </p:txBody>
       </p:sp>
@@ -13579,10 +13127,6 @@
               </a:rPr>
               <a:t>Spreadsheet</a:t>
             </a:r>
-            <a:endParaRPr lang="en-US" sz="750" dirty="0">
-              <a:latin typeface="Arial" pitchFamily="34" charset="0"/>
-              <a:cs typeface="Arial" pitchFamily="34" charset="0"/>
-            </a:endParaRPr>
           </a:p>
         </p:txBody>
       </p:sp>
@@ -13616,10 +13160,6 @@
               </a:rPr>
               <a:t>Virtual Mart/ODS</a:t>
             </a:r>
-            <a:endParaRPr lang="en-US" sz="750" dirty="0">
-              <a:latin typeface="Arial" pitchFamily="34" charset="0"/>
-              <a:cs typeface="Arial" pitchFamily="34" charset="0"/>
-            </a:endParaRPr>
           </a:p>
         </p:txBody>
       </p:sp>
@@ -13653,10 +13193,6 @@
               </a:rPr>
               <a:t>Cache</a:t>
             </a:r>
-            <a:endParaRPr lang="en-US" sz="750" dirty="0">
-              <a:latin typeface="Arial" pitchFamily="34" charset="0"/>
-              <a:cs typeface="Arial" pitchFamily="34" charset="0"/>
-            </a:endParaRPr>
           </a:p>
         </p:txBody>
       </p:sp>
@@ -13690,10 +13226,6 @@
               </a:rPr>
               <a:t>Services</a:t>
             </a:r>
-            <a:endParaRPr lang="en-US" sz="750" dirty="0">
-              <a:latin typeface="Arial" pitchFamily="34" charset="0"/>
-              <a:cs typeface="Arial" pitchFamily="34" charset="0"/>
-            </a:endParaRPr>
           </a:p>
         </p:txBody>
       </p:sp>
@@ -14259,21 +13791,6 @@
   <p:clrMapOvr>
     <a:masterClrMapping/>
   </p:clrMapOvr>
-  <mc:AlternateContent xmlns:mc="http://schemas.openxmlformats.org/markup-compatibility/2006" xmlns:p14="http://schemas.microsoft.com/office/powerpoint/2010/main">
-    <mc:Choice Requires="p14">
-      <p:transition spd="slow" p14:dur="2000"/>
-    </mc:Choice>
-    <mc:Fallback xmlns="">
-      <p:transition xmlns:p14="http://schemas.microsoft.com/office/powerpoint/2010/main" spd="slow"/>
-    </mc:Fallback>
-  </mc:AlternateContent>
-  <p:timing>
-    <p:tnLst>
-      <p:par>
-        <p:cTn id="1" dur="indefinite" restart="never" nodeType="tmRoot"/>
-      </p:par>
-    </p:tnLst>
-  </p:timing>
 </p:sld>
 </file>
 
